--- a/DailyChessPuzzle.pptx
+++ b/DailyChessPuzzle.pptx
@@ -110,7 +110,134 @@
       </a:defRPr>
     </a:lvl9pPr>
   </p:defaultTextStyle>
+  <p:extLst>
+    <p:ext uri="{EFAFB233-063F-42B5-8137-9DF3F51BA10A}">
+      <p15:sldGuideLst xmlns:p15="http://schemas.microsoft.com/office/powerpoint/2012/main"/>
+    </p:ext>
+  </p:extLst>
 </p:presentation>
+</file>
+
+<file path=ppt/revisionInfo.xml><?xml version="1.0" encoding="utf-8"?>
+<p1510:revInfo xmlns:a="http://schemas.openxmlformats.org/drawingml/2006/main" xmlns:r="http://schemas.openxmlformats.org/officeDocument/2006/relationships" xmlns:p1510="http://schemas.microsoft.com/office/powerpoint/2015/10/main">
+  <p1510:revLst>
+    <p1510:client id="{65A18F10-0344-4D88-9953-BDB109D8C829}" v="8" dt="2023-10-17T22:56:29.684"/>
+  </p1510:revLst>
+</p1510:revInfo>
+</file>
+
+<file path=ppt/changesInfos/changesInfo1.xml><?xml version="1.0" encoding="utf-8"?>
+<pc:chgInfo xmlns:a="http://schemas.openxmlformats.org/drawingml/2006/main" xmlns:r="http://schemas.openxmlformats.org/officeDocument/2006/relationships" xmlns:ac="http://schemas.microsoft.com/office/drawing/2013/main/command" xmlns:pc="http://schemas.microsoft.com/office/powerpoint/2013/main/command">
+  <pc:docChgLst>
+    <pc:chgData name="Noah Casey" userId="0f1561b0-985a-425f-b941-4ea07dfff7cd" providerId="ADAL" clId="{65A18F10-0344-4D88-9953-BDB109D8C829}"/>
+    <pc:docChg chg="custSel modSld">
+      <pc:chgData name="Noah Casey" userId="0f1561b0-985a-425f-b941-4ea07dfff7cd" providerId="ADAL" clId="{65A18F10-0344-4D88-9953-BDB109D8C829}" dt="2023-10-17T22:56:36.486" v="307" actId="207"/>
+      <pc:docMkLst>
+        <pc:docMk/>
+      </pc:docMkLst>
+      <pc:sldChg chg="addSp modSp mod">
+        <pc:chgData name="Noah Casey" userId="0f1561b0-985a-425f-b941-4ea07dfff7cd" providerId="ADAL" clId="{65A18F10-0344-4D88-9953-BDB109D8C829}" dt="2023-10-17T22:35:19.540" v="15" actId="14100"/>
+        <pc:sldMkLst>
+          <pc:docMk/>
+          <pc:sldMk cId="1061345462" sldId="259"/>
+        </pc:sldMkLst>
+        <pc:spChg chg="add mod">
+          <ac:chgData name="Noah Casey" userId="0f1561b0-985a-425f-b941-4ea07dfff7cd" providerId="ADAL" clId="{65A18F10-0344-4D88-9953-BDB109D8C829}" dt="2023-10-17T22:35:19.540" v="15" actId="14100"/>
+          <ac:spMkLst>
+            <pc:docMk/>
+            <pc:sldMk cId="1061345462" sldId="259"/>
+            <ac:spMk id="3" creationId="{9F854DCF-7612-0C17-398E-01B0B06D87CF}"/>
+          </ac:spMkLst>
+        </pc:spChg>
+      </pc:sldChg>
+      <pc:sldChg chg="addSp modSp mod">
+        <pc:chgData name="Noah Casey" userId="0f1561b0-985a-425f-b941-4ea07dfff7cd" providerId="ADAL" clId="{65A18F10-0344-4D88-9953-BDB109D8C829}" dt="2023-10-17T22:56:36.486" v="307" actId="207"/>
+        <pc:sldMkLst>
+          <pc:docMk/>
+          <pc:sldMk cId="500915605" sldId="260"/>
+        </pc:sldMkLst>
+        <pc:spChg chg="add mod">
+          <ac:chgData name="Noah Casey" userId="0f1561b0-985a-425f-b941-4ea07dfff7cd" providerId="ADAL" clId="{65A18F10-0344-4D88-9953-BDB109D8C829}" dt="2023-10-17T22:56:24.150" v="304" actId="20577"/>
+          <ac:spMkLst>
+            <pc:docMk/>
+            <pc:sldMk cId="500915605" sldId="260"/>
+            <ac:spMk id="3" creationId="{86481A47-A420-901F-65E5-65F1EAF3B6C0}"/>
+          </ac:spMkLst>
+        </pc:spChg>
+        <pc:spChg chg="mod">
+          <ac:chgData name="Noah Casey" userId="0f1561b0-985a-425f-b941-4ea07dfff7cd" providerId="ADAL" clId="{65A18F10-0344-4D88-9953-BDB109D8C829}" dt="2023-10-17T22:48:44.380" v="32" actId="207"/>
+          <ac:spMkLst>
+            <pc:docMk/>
+            <pc:sldMk cId="500915605" sldId="260"/>
+            <ac:spMk id="4" creationId="{C4EDA6D8-C4B0-DB56-A274-BD9A1497E935}"/>
+          </ac:spMkLst>
+        </pc:spChg>
+        <pc:spChg chg="add mod">
+          <ac:chgData name="Noah Casey" userId="0f1561b0-985a-425f-b941-4ea07dfff7cd" providerId="ADAL" clId="{65A18F10-0344-4D88-9953-BDB109D8C829}" dt="2023-10-17T22:56:36.486" v="307" actId="207"/>
+          <ac:spMkLst>
+            <pc:docMk/>
+            <pc:sldMk cId="500915605" sldId="260"/>
+            <ac:spMk id="5" creationId="{D262CCF5-C37D-F586-D9A8-3972D985CF73}"/>
+          </ac:spMkLst>
+        </pc:spChg>
+      </pc:sldChg>
+      <pc:sldChg chg="addSp modSp mod">
+        <pc:chgData name="Noah Casey" userId="0f1561b0-985a-425f-b941-4ea07dfff7cd" providerId="ADAL" clId="{65A18F10-0344-4D88-9953-BDB109D8C829}" dt="2023-10-17T22:33:25.696" v="3" actId="1076"/>
+        <pc:sldMkLst>
+          <pc:docMk/>
+          <pc:sldMk cId="2651056950" sldId="261"/>
+        </pc:sldMkLst>
+        <pc:picChg chg="add mod">
+          <ac:chgData name="Noah Casey" userId="0f1561b0-985a-425f-b941-4ea07dfff7cd" providerId="ADAL" clId="{65A18F10-0344-4D88-9953-BDB109D8C829}" dt="2023-10-17T22:33:16.528" v="1" actId="1076"/>
+          <ac:picMkLst>
+            <pc:docMk/>
+            <pc:sldMk cId="2651056950" sldId="261"/>
+            <ac:picMk id="3" creationId="{2EC236CE-876A-879F-2ED1-F5859B6CBA79}"/>
+          </ac:picMkLst>
+        </pc:picChg>
+        <pc:picChg chg="add mod">
+          <ac:chgData name="Noah Casey" userId="0f1561b0-985a-425f-b941-4ea07dfff7cd" providerId="ADAL" clId="{65A18F10-0344-4D88-9953-BDB109D8C829}" dt="2023-10-17T22:33:25.696" v="3" actId="1076"/>
+          <ac:picMkLst>
+            <pc:docMk/>
+            <pc:sldMk cId="2651056950" sldId="261"/>
+            <ac:picMk id="4" creationId="{9DF34D2C-0185-DFC4-B9CF-1D50EF1F2EFE}"/>
+          </ac:picMkLst>
+        </pc:picChg>
+      </pc:sldChg>
+      <pc:sldChg chg="addSp modSp mod">
+        <pc:chgData name="Noah Casey" userId="0f1561b0-985a-425f-b941-4ea07dfff7cd" providerId="ADAL" clId="{65A18F10-0344-4D88-9953-BDB109D8C829}" dt="2023-10-17T22:33:49.996" v="9" actId="1076"/>
+        <pc:sldMkLst>
+          <pc:docMk/>
+          <pc:sldMk cId="883010045" sldId="262"/>
+        </pc:sldMkLst>
+        <pc:picChg chg="add mod">
+          <ac:chgData name="Noah Casey" userId="0f1561b0-985a-425f-b941-4ea07dfff7cd" providerId="ADAL" clId="{65A18F10-0344-4D88-9953-BDB109D8C829}" dt="2023-10-17T22:33:37.598" v="5" actId="1076"/>
+          <ac:picMkLst>
+            <pc:docMk/>
+            <pc:sldMk cId="883010045" sldId="262"/>
+            <ac:picMk id="3" creationId="{2ADC2CDA-AA41-795D-A66B-E6BE04FA1E13}"/>
+          </ac:picMkLst>
+        </pc:picChg>
+        <pc:picChg chg="add mod">
+          <ac:chgData name="Noah Casey" userId="0f1561b0-985a-425f-b941-4ea07dfff7cd" providerId="ADAL" clId="{65A18F10-0344-4D88-9953-BDB109D8C829}" dt="2023-10-17T22:33:44.579" v="7" actId="1076"/>
+          <ac:picMkLst>
+            <pc:docMk/>
+            <pc:sldMk cId="883010045" sldId="262"/>
+            <ac:picMk id="4" creationId="{50C37E17-7ACD-466F-5B22-0429905876C0}"/>
+          </ac:picMkLst>
+        </pc:picChg>
+        <pc:picChg chg="add mod">
+          <ac:chgData name="Noah Casey" userId="0f1561b0-985a-425f-b941-4ea07dfff7cd" providerId="ADAL" clId="{65A18F10-0344-4D88-9953-BDB109D8C829}" dt="2023-10-17T22:33:49.996" v="9" actId="1076"/>
+          <ac:picMkLst>
+            <pc:docMk/>
+            <pc:sldMk cId="883010045" sldId="262"/>
+            <ac:picMk id="5" creationId="{E0640F17-58A2-57F4-3097-A67EAAA8086E}"/>
+          </ac:picMkLst>
+        </pc:picChg>
+      </pc:sldChg>
+    </pc:docChg>
+  </pc:docChgLst>
+</pc:chgInfo>
 </file>
 
 <file path=ppt/slideLayouts/slideLayout1.xml><?xml version="1.0" encoding="utf-8"?>
@@ -262,7 +389,7 @@
           <a:p>
             <a:fld id="{60348797-CA49-41FD-8751-744EB1DC12C4}" type="datetimeFigureOut">
               <a:rPr lang="en-AU" smtClean="0"/>
-              <a:t>17/10/2023</a:t>
+              <a:t>18/10/2023</a:t>
             </a:fld>
             <a:endParaRPr lang="en-AU"/>
           </a:p>
@@ -462,7 +589,7 @@
           <a:p>
             <a:fld id="{60348797-CA49-41FD-8751-744EB1DC12C4}" type="datetimeFigureOut">
               <a:rPr lang="en-AU" smtClean="0"/>
-              <a:t>17/10/2023</a:t>
+              <a:t>18/10/2023</a:t>
             </a:fld>
             <a:endParaRPr lang="en-AU"/>
           </a:p>
@@ -672,7 +799,7 @@
           <a:p>
             <a:fld id="{60348797-CA49-41FD-8751-744EB1DC12C4}" type="datetimeFigureOut">
               <a:rPr lang="en-AU" smtClean="0"/>
-              <a:t>17/10/2023</a:t>
+              <a:t>18/10/2023</a:t>
             </a:fld>
             <a:endParaRPr lang="en-AU"/>
           </a:p>
@@ -872,7 +999,7 @@
           <a:p>
             <a:fld id="{60348797-CA49-41FD-8751-744EB1DC12C4}" type="datetimeFigureOut">
               <a:rPr lang="en-AU" smtClean="0"/>
-              <a:t>17/10/2023</a:t>
+              <a:t>18/10/2023</a:t>
             </a:fld>
             <a:endParaRPr lang="en-AU"/>
           </a:p>
@@ -1148,7 +1275,7 @@
           <a:p>
             <a:fld id="{60348797-CA49-41FD-8751-744EB1DC12C4}" type="datetimeFigureOut">
               <a:rPr lang="en-AU" smtClean="0"/>
-              <a:t>17/10/2023</a:t>
+              <a:t>18/10/2023</a:t>
             </a:fld>
             <a:endParaRPr lang="en-AU"/>
           </a:p>
@@ -1416,7 +1543,7 @@
           <a:p>
             <a:fld id="{60348797-CA49-41FD-8751-744EB1DC12C4}" type="datetimeFigureOut">
               <a:rPr lang="en-AU" smtClean="0"/>
-              <a:t>17/10/2023</a:t>
+              <a:t>18/10/2023</a:t>
             </a:fld>
             <a:endParaRPr lang="en-AU"/>
           </a:p>
@@ -1831,7 +1958,7 @@
           <a:p>
             <a:fld id="{60348797-CA49-41FD-8751-744EB1DC12C4}" type="datetimeFigureOut">
               <a:rPr lang="en-AU" smtClean="0"/>
-              <a:t>17/10/2023</a:t>
+              <a:t>18/10/2023</a:t>
             </a:fld>
             <a:endParaRPr lang="en-AU"/>
           </a:p>
@@ -1973,7 +2100,7 @@
           <a:p>
             <a:fld id="{60348797-CA49-41FD-8751-744EB1DC12C4}" type="datetimeFigureOut">
               <a:rPr lang="en-AU" smtClean="0"/>
-              <a:t>17/10/2023</a:t>
+              <a:t>18/10/2023</a:t>
             </a:fld>
             <a:endParaRPr lang="en-AU"/>
           </a:p>
@@ -2086,7 +2213,7 @@
           <a:p>
             <a:fld id="{60348797-CA49-41FD-8751-744EB1DC12C4}" type="datetimeFigureOut">
               <a:rPr lang="en-AU" smtClean="0"/>
-              <a:t>17/10/2023</a:t>
+              <a:t>18/10/2023</a:t>
             </a:fld>
             <a:endParaRPr lang="en-AU"/>
           </a:p>
@@ -2399,7 +2526,7 @@
           <a:p>
             <a:fld id="{60348797-CA49-41FD-8751-744EB1DC12C4}" type="datetimeFigureOut">
               <a:rPr lang="en-AU" smtClean="0"/>
-              <a:t>17/10/2023</a:t>
+              <a:t>18/10/2023</a:t>
             </a:fld>
             <a:endParaRPr lang="en-AU"/>
           </a:p>
@@ -2688,7 +2815,7 @@
           <a:p>
             <a:fld id="{60348797-CA49-41FD-8751-744EB1DC12C4}" type="datetimeFigureOut">
               <a:rPr lang="en-AU" smtClean="0"/>
-              <a:t>17/10/2023</a:t>
+              <a:t>18/10/2023</a:t>
             </a:fld>
             <a:endParaRPr lang="en-AU"/>
           </a:p>
@@ -2931,7 +3058,7 @@
           <a:p>
             <a:fld id="{60348797-CA49-41FD-8751-744EB1DC12C4}" type="datetimeFigureOut">
               <a:rPr lang="en-AU" smtClean="0"/>
-              <a:t>17/10/2023</a:t>
+              <a:t>18/10/2023</a:t>
             </a:fld>
             <a:endParaRPr lang="en-AU"/>
           </a:p>
@@ -3793,6 +3920,49 @@
           </a:p>
         </p:txBody>
       </p:sp>
+      <p:sp>
+        <p:nvSpPr>
+          <p:cNvPr id="3" name="TextBox 2">
+            <a:extLst>
+              <a:ext uri="{FF2B5EF4-FFF2-40B4-BE49-F238E27FC236}">
+                <a16:creationId xmlns:a16="http://schemas.microsoft.com/office/drawing/2014/main" id="{9F854DCF-7612-0C17-398E-01B0B06D87CF}"/>
+              </a:ext>
+            </a:extLst>
+          </p:cNvPr>
+          <p:cNvSpPr txBox="1"/>
+          <p:nvPr/>
+        </p:nvSpPr>
+        <p:spPr>
+          <a:xfrm>
+            <a:off x="838199" y="1164566"/>
+            <a:ext cx="4793479" cy="2031325"/>
+          </a:xfrm>
+          <a:prstGeom prst="rect">
+            <a:avLst/>
+          </a:prstGeom>
+          <a:noFill/>
+        </p:spPr>
+        <p:txBody>
+          <a:bodyPr wrap="square" rtlCol="0">
+            <a:spAutoFit/>
+          </a:bodyPr>
+          <a:lstStyle/>
+          <a:p>
+            <a:r>
+              <a:rPr lang="en-AU" sz="1800" kern="100" dirty="0">
+                <a:effectLst/>
+                <a:latin typeface="Segoe UI" panose="020B0502040204020203" pitchFamily="34" charset="0"/>
+                <a:ea typeface="Segoe UI" panose="020B0502040204020203" pitchFamily="34" charset="0"/>
+                <a:cs typeface="Times New Roman" panose="02020603050405020304" pitchFamily="18" charset="0"/>
+              </a:rPr>
+              <a:t>In the first build of the application, the most part of the application was created, with the puzzle being updated each day manually by changing the constant values of “fen” and “moves” to the correct values in accordance with each day.</a:t>
+            </a:r>
+          </a:p>
+          <a:p>
+            <a:endParaRPr lang="en-AU" dirty="0"/>
+          </a:p>
+        </p:txBody>
+      </p:sp>
     </p:spTree>
     <p:extLst>
       <p:ext uri="{BB962C8B-B14F-4D97-AF65-F5344CB8AC3E}">
@@ -3874,8 +4044,8 @@
         </p:nvSpPr>
         <p:spPr>
           <a:xfrm>
-            <a:off x="976941" y="1164566"/>
-            <a:ext cx="3707202" cy="1713290"/>
+            <a:off x="212997" y="3429000"/>
+            <a:ext cx="11766005" cy="523220"/>
           </a:xfrm>
           <a:prstGeom prst="rect">
             <a:avLst/>
@@ -3888,7 +4058,7 @@
           </a:bodyPr>
           <a:lstStyle/>
           <a:p>
-            <a:pPr>
+            <a:pPr algn="ctr">
               <a:spcAft>
                 <a:spcPts val="800"/>
               </a:spcAft>
@@ -3912,286 +4082,231 @@
               </a:tabLst>
             </a:pPr>
             <a:r>
-              <a:rPr lang="en-AU" sz="1200" kern="0" dirty="0">
+              <a:rPr lang="pt-BR" sz="2800" dirty="0">
+                <a:latin typeface="Cascadia Mono" panose="020B0609020000020004" pitchFamily="49" charset="0"/>
+              </a:rPr>
+              <a:t>4r1k1/5ppp/r1p5/p1n1RP2/8/2P2N1P/2P3P1/3R2K1 </a:t>
+            </a:r>
+            <a:r>
+              <a:rPr lang="pt-BR" sz="2800" dirty="0">
                 <a:solidFill>
-                  <a:srgbClr val="000000"/>
+                  <a:srgbClr val="FF0000"/>
                 </a:solidFill>
-                <a:effectLst/>
-                <a:latin typeface="Courier New" panose="02070309020205020404" pitchFamily="49" charset="0"/>
-                <a:ea typeface="Times New Roman" panose="02020603050405020304" pitchFamily="18" charset="0"/>
-                <a:cs typeface="Times New Roman" panose="02020603050405020304" pitchFamily="18" charset="0"/>
+                <a:latin typeface="Cascadia Mono" panose="020B0609020000020004" pitchFamily="49" charset="0"/>
               </a:rPr>
-              <a:t>&lt;FEN&gt; ::=  &lt;Piece Placement&gt;</a:t>
-            </a:r>
-            <a:endParaRPr lang="en-AU" sz="1400" kern="100" dirty="0">
+              <a:t>b</a:t>
+            </a:r>
+            <a:r>
+              <a:rPr lang="pt-BR" sz="2800" dirty="0">
+                <a:solidFill>
+                  <a:srgbClr val="008000"/>
+                </a:solidFill>
+                <a:latin typeface="Cascadia Mono" panose="020B0609020000020004" pitchFamily="49" charset="0"/>
+              </a:rPr>
+              <a:t> </a:t>
+            </a:r>
+            <a:r>
+              <a:rPr lang="pt-BR" sz="2800" dirty="0">
+                <a:solidFill>
+                  <a:schemeClr val="accent1"/>
+                </a:solidFill>
+                <a:latin typeface="Cascadia Mono" panose="020B0609020000020004" pitchFamily="49" charset="0"/>
+              </a:rPr>
+              <a:t>-</a:t>
+            </a:r>
+            <a:r>
+              <a:rPr lang="pt-BR" sz="2800" dirty="0">
+                <a:solidFill>
+                  <a:srgbClr val="008000"/>
+                </a:solidFill>
+                <a:latin typeface="Cascadia Mono" panose="020B0609020000020004" pitchFamily="49" charset="0"/>
+              </a:rPr>
+              <a:t> </a:t>
+            </a:r>
+            <a:r>
+              <a:rPr lang="pt-BR" sz="2800" dirty="0">
+                <a:solidFill>
+                  <a:schemeClr val="accent6"/>
+                </a:solidFill>
+                <a:latin typeface="Cascadia Mono" panose="020B0609020000020004" pitchFamily="49" charset="0"/>
+              </a:rPr>
+              <a:t>-</a:t>
+            </a:r>
+            <a:r>
+              <a:rPr lang="pt-BR" sz="2800" dirty="0">
+                <a:solidFill>
+                  <a:srgbClr val="008000"/>
+                </a:solidFill>
+                <a:latin typeface="Cascadia Mono" panose="020B0609020000020004" pitchFamily="49" charset="0"/>
+              </a:rPr>
+              <a:t> </a:t>
+            </a:r>
+            <a:r>
+              <a:rPr lang="pt-BR" sz="2800" dirty="0">
+                <a:solidFill>
+                  <a:schemeClr val="accent2"/>
+                </a:solidFill>
+                <a:latin typeface="Cascadia Mono" panose="020B0609020000020004" pitchFamily="49" charset="0"/>
+              </a:rPr>
+              <a:t>0</a:t>
+            </a:r>
+            <a:r>
+              <a:rPr lang="pt-BR" sz="2800" dirty="0">
+                <a:solidFill>
+                  <a:srgbClr val="008000"/>
+                </a:solidFill>
+                <a:latin typeface="Cascadia Mono" panose="020B0609020000020004" pitchFamily="49" charset="0"/>
+              </a:rPr>
+              <a:t> </a:t>
+            </a:r>
+            <a:r>
+              <a:rPr lang="pt-BR" sz="2800" dirty="0">
+                <a:solidFill>
+                  <a:schemeClr val="accent4"/>
+                </a:solidFill>
+                <a:latin typeface="Cascadia Mono" panose="020B0609020000020004" pitchFamily="49" charset="0"/>
+              </a:rPr>
+              <a:t>21</a:t>
+            </a:r>
+            <a:endParaRPr lang="en-AU" sz="2000" kern="100" dirty="0">
+              <a:solidFill>
+                <a:schemeClr val="accent4"/>
+              </a:solidFill>
               <a:effectLst/>
               <a:latin typeface="Segoe UI" panose="020B0502040204020203" pitchFamily="34" charset="0"/>
               <a:ea typeface="Segoe UI" panose="020B0502040204020203" pitchFamily="34" charset="0"/>
               <a:cs typeface="Times New Roman" panose="02020603050405020304" pitchFamily="18" charset="0"/>
             </a:endParaRPr>
           </a:p>
-          <a:p>
-            <a:pPr>
-              <a:spcAft>
-                <a:spcPts val="800"/>
-              </a:spcAft>
-              <a:tabLst>
-                <a:tab pos="581660" algn="l"/>
-                <a:tab pos="1163320" algn="l"/>
-                <a:tab pos="1744980" algn="l"/>
-                <a:tab pos="2326640" algn="l"/>
-                <a:tab pos="2908300" algn="l"/>
-                <a:tab pos="3489960" algn="l"/>
-                <a:tab pos="4071620" algn="l"/>
-                <a:tab pos="4653280" algn="l"/>
-                <a:tab pos="5234940" algn="l"/>
-                <a:tab pos="5816600" algn="l"/>
-                <a:tab pos="6398260" algn="l"/>
-                <a:tab pos="6979920" algn="l"/>
-                <a:tab pos="7561580" algn="l"/>
-                <a:tab pos="8143240" algn="l"/>
-                <a:tab pos="8724900" algn="l"/>
-                <a:tab pos="9306560" algn="l"/>
-              </a:tabLst>
-            </a:pPr>
-            <a:r>
-              <a:rPr lang="en-AU" sz="1200" kern="0" dirty="0">
+        </p:txBody>
+      </p:sp>
+      <p:sp>
+        <p:nvSpPr>
+          <p:cNvPr id="3" name="TextBox 2">
+            <a:extLst>
+              <a:ext uri="{FF2B5EF4-FFF2-40B4-BE49-F238E27FC236}">
+                <a16:creationId xmlns:a16="http://schemas.microsoft.com/office/drawing/2014/main" id="{86481A47-A420-901F-65E5-65F1EAF3B6C0}"/>
+              </a:ext>
+            </a:extLst>
+          </p:cNvPr>
+          <p:cNvSpPr txBox="1"/>
+          <p:nvPr/>
+        </p:nvSpPr>
+        <p:spPr>
+          <a:xfrm>
+            <a:off x="504204" y="1307779"/>
+            <a:ext cx="7819400" cy="830997"/>
+          </a:xfrm>
+          <a:prstGeom prst="rect">
+            <a:avLst/>
+          </a:prstGeom>
+          <a:noFill/>
+        </p:spPr>
+        <p:txBody>
+          <a:bodyPr wrap="square" rtlCol="0">
+            <a:spAutoFit/>
+          </a:bodyPr>
+          <a:lstStyle/>
+          <a:p>
+            <a:r>
+              <a:rPr lang="en-AU" sz="1600" dirty="0"/>
+              <a:t>&lt;Piece Placement&gt; = &lt;rank8&gt;/&lt;rank7&gt;/&lt;rank6&gt;/&lt;rank5&gt;/&lt;rank4&gt;/&lt;rank3&gt;/&lt;rank2&gt;/rank1&gt;</a:t>
+            </a:r>
+          </a:p>
+          <a:p>
+            <a:r>
+              <a:rPr lang="en-AU" sz="1600" dirty="0"/>
+              <a:t>&lt;rank </a:t>
+            </a:r>
+            <a:r>
+              <a:rPr lang="en-AU" sz="1600" dirty="0" err="1"/>
+              <a:t>i</a:t>
+            </a:r>
+            <a:r>
+              <a:rPr lang="en-AU" sz="1600" dirty="0"/>
+              <a:t>&gt; = [&lt;digit 1-7&gt;]&lt;piece&gt;</a:t>
+            </a:r>
+          </a:p>
+          <a:p>
+            <a:r>
+              <a:rPr lang="en-AU" sz="1600" dirty="0"/>
+              <a:t>&lt;piece&gt; = &lt;white piece&gt; | &lt;black piece&gt;</a:t>
+            </a:r>
+          </a:p>
+        </p:txBody>
+      </p:sp>
+      <p:sp>
+        <p:nvSpPr>
+          <p:cNvPr id="5" name="TextBox 4">
+            <a:extLst>
+              <a:ext uri="{FF2B5EF4-FFF2-40B4-BE49-F238E27FC236}">
+                <a16:creationId xmlns:a16="http://schemas.microsoft.com/office/drawing/2014/main" id="{D262CCF5-C37D-F586-D9A8-3972D985CF73}"/>
+              </a:ext>
+            </a:extLst>
+          </p:cNvPr>
+          <p:cNvSpPr txBox="1"/>
+          <p:nvPr/>
+        </p:nvSpPr>
+        <p:spPr>
+          <a:xfrm>
+            <a:off x="504204" y="2281989"/>
+            <a:ext cx="7819400" cy="830997"/>
+          </a:xfrm>
+          <a:prstGeom prst="rect">
+            <a:avLst/>
+          </a:prstGeom>
+          <a:noFill/>
+        </p:spPr>
+        <p:txBody>
+          <a:bodyPr wrap="square" rtlCol="0">
+            <a:spAutoFit/>
+          </a:bodyPr>
+          <a:lstStyle/>
+          <a:p>
+            <a:r>
+              <a:rPr lang="en-AU" sz="1600" dirty="0">
                 <a:solidFill>
-                  <a:srgbClr val="000000"/>
+                  <a:srgbClr val="FF0000"/>
                 </a:solidFill>
-                <a:effectLst/>
-                <a:latin typeface="Courier New" panose="02070309020205020404" pitchFamily="49" charset="0"/>
-                <a:ea typeface="Times New Roman" panose="02020603050405020304" pitchFamily="18" charset="0"/>
-                <a:cs typeface="Times New Roman" panose="02020603050405020304" pitchFamily="18" charset="0"/>
               </a:rPr>
-              <a:t>       ' ' &lt;Side to move&gt;</a:t>
-            </a:r>
-            <a:endParaRPr lang="en-AU" sz="1400" kern="100" dirty="0">
-              <a:effectLst/>
-              <a:latin typeface="Segoe UI" panose="020B0502040204020203" pitchFamily="34" charset="0"/>
-              <a:ea typeface="Segoe UI" panose="020B0502040204020203" pitchFamily="34" charset="0"/>
-              <a:cs typeface="Times New Roman" panose="02020603050405020304" pitchFamily="18" charset="0"/>
-            </a:endParaRPr>
-          </a:p>
-          <a:p>
-            <a:pPr>
-              <a:spcAft>
-                <a:spcPts val="800"/>
-              </a:spcAft>
-              <a:tabLst>
-                <a:tab pos="581660" algn="l"/>
-                <a:tab pos="1163320" algn="l"/>
-                <a:tab pos="1744980" algn="l"/>
-                <a:tab pos="2326640" algn="l"/>
-                <a:tab pos="2908300" algn="l"/>
-                <a:tab pos="3489960" algn="l"/>
-                <a:tab pos="4071620" algn="l"/>
-                <a:tab pos="4653280" algn="l"/>
-                <a:tab pos="5234940" algn="l"/>
-                <a:tab pos="5816600" algn="l"/>
-                <a:tab pos="6398260" algn="l"/>
-                <a:tab pos="6979920" algn="l"/>
-                <a:tab pos="7561580" algn="l"/>
-                <a:tab pos="8143240" algn="l"/>
-                <a:tab pos="8724900" algn="l"/>
-                <a:tab pos="9306560" algn="l"/>
-              </a:tabLst>
-            </a:pPr>
-            <a:r>
-              <a:rPr lang="en-AU" sz="1200" kern="0" dirty="0">
+              <a:t>&lt;Piece Placement&gt; = &lt;rank8&gt;/&lt;rank7&gt;/&lt;rank6&gt;/&lt;rank5&gt;/&lt;rank4&gt;/&lt;rank3&gt;/&lt;rank2&gt;/rank1&gt;</a:t>
+            </a:r>
+          </a:p>
+          <a:p>
+            <a:r>
+              <a:rPr lang="en-AU" sz="1600" dirty="0">
                 <a:solidFill>
-                  <a:srgbClr val="000000"/>
+                  <a:srgbClr val="FF0000"/>
                 </a:solidFill>
-                <a:effectLst/>
-                <a:latin typeface="Courier New" panose="02070309020205020404" pitchFamily="49" charset="0"/>
-                <a:ea typeface="Times New Roman" panose="02020603050405020304" pitchFamily="18" charset="0"/>
-                <a:cs typeface="Times New Roman" panose="02020603050405020304" pitchFamily="18" charset="0"/>
               </a:rPr>
-              <a:t>       ' ' &lt;Castling ability&gt;</a:t>
-            </a:r>
-            <a:endParaRPr lang="en-AU" sz="1400" kern="100" dirty="0">
-              <a:effectLst/>
-              <a:latin typeface="Segoe UI" panose="020B0502040204020203" pitchFamily="34" charset="0"/>
-              <a:ea typeface="Segoe UI" panose="020B0502040204020203" pitchFamily="34" charset="0"/>
-              <a:cs typeface="Times New Roman" panose="02020603050405020304" pitchFamily="18" charset="0"/>
-            </a:endParaRPr>
-          </a:p>
-          <a:p>
-            <a:pPr>
-              <a:spcAft>
-                <a:spcPts val="800"/>
-              </a:spcAft>
-              <a:tabLst>
-                <a:tab pos="581660" algn="l"/>
-                <a:tab pos="1163320" algn="l"/>
-                <a:tab pos="1744980" algn="l"/>
-                <a:tab pos="2326640" algn="l"/>
-                <a:tab pos="2908300" algn="l"/>
-                <a:tab pos="3489960" algn="l"/>
-                <a:tab pos="4071620" algn="l"/>
-                <a:tab pos="4653280" algn="l"/>
-                <a:tab pos="5234940" algn="l"/>
-                <a:tab pos="5816600" algn="l"/>
-                <a:tab pos="6398260" algn="l"/>
-                <a:tab pos="6979920" algn="l"/>
-                <a:tab pos="7561580" algn="l"/>
-                <a:tab pos="8143240" algn="l"/>
-                <a:tab pos="8724900" algn="l"/>
-                <a:tab pos="9306560" algn="l"/>
-              </a:tabLst>
-            </a:pPr>
-            <a:r>
-              <a:rPr lang="en-AU" sz="1200" kern="0" dirty="0">
+              <a:t>&lt;rank </a:t>
+            </a:r>
+            <a:r>
+              <a:rPr lang="en-AU" sz="1600" dirty="0" err="1">
                 <a:solidFill>
-                  <a:srgbClr val="000000"/>
+                  <a:srgbClr val="FF0000"/>
                 </a:solidFill>
-                <a:effectLst/>
-                <a:latin typeface="Courier New" panose="02070309020205020404" pitchFamily="49" charset="0"/>
-                <a:ea typeface="Times New Roman" panose="02020603050405020304" pitchFamily="18" charset="0"/>
-                <a:cs typeface="Times New Roman" panose="02020603050405020304" pitchFamily="18" charset="0"/>
               </a:rPr>
-              <a:t>       ' ' &lt;En passant target square&gt;</a:t>
-            </a:r>
-            <a:endParaRPr lang="en-AU" sz="1400" kern="100" dirty="0">
-              <a:effectLst/>
-              <a:latin typeface="Segoe UI" panose="020B0502040204020203" pitchFamily="34" charset="0"/>
-              <a:ea typeface="Segoe UI" panose="020B0502040204020203" pitchFamily="34" charset="0"/>
-              <a:cs typeface="Times New Roman" panose="02020603050405020304" pitchFamily="18" charset="0"/>
-            </a:endParaRPr>
-          </a:p>
-          <a:p>
-            <a:pPr>
-              <a:spcAft>
-                <a:spcPts val="800"/>
-              </a:spcAft>
-              <a:tabLst>
-                <a:tab pos="581660" algn="l"/>
-                <a:tab pos="1163320" algn="l"/>
-                <a:tab pos="1744980" algn="l"/>
-                <a:tab pos="2326640" algn="l"/>
-                <a:tab pos="2908300" algn="l"/>
-                <a:tab pos="3489960" algn="l"/>
-                <a:tab pos="4071620" algn="l"/>
-                <a:tab pos="4653280" algn="l"/>
-                <a:tab pos="5234940" algn="l"/>
-                <a:tab pos="5816600" algn="l"/>
-                <a:tab pos="6398260" algn="l"/>
-                <a:tab pos="6979920" algn="l"/>
-                <a:tab pos="7561580" algn="l"/>
-                <a:tab pos="8143240" algn="l"/>
-                <a:tab pos="8724900" algn="l"/>
-                <a:tab pos="9306560" algn="l"/>
-              </a:tabLst>
-            </a:pPr>
-            <a:r>
-              <a:rPr lang="en-AU" sz="1200" kern="0" dirty="0">
+              <a:t>i</a:t>
+            </a:r>
+            <a:r>
+              <a:rPr lang="en-AU" sz="1600" dirty="0">
                 <a:solidFill>
-                  <a:srgbClr val="000000"/>
+                  <a:srgbClr val="FF0000"/>
                 </a:solidFill>
-                <a:effectLst/>
-                <a:latin typeface="Courier New" panose="02070309020205020404" pitchFamily="49" charset="0"/>
-                <a:ea typeface="Times New Roman" panose="02020603050405020304" pitchFamily="18" charset="0"/>
-                <a:cs typeface="Times New Roman" panose="02020603050405020304" pitchFamily="18" charset="0"/>
               </a:rPr>
-              <a:t>       ' ' &lt;</a:t>
-            </a:r>
-            <a:r>
-              <a:rPr lang="en-AU" sz="1200" kern="0" dirty="0" err="1">
+              <a:t>&gt; = [&lt;digit 1-7&gt;]&lt;piece&gt;</a:t>
+            </a:r>
+          </a:p>
+          <a:p>
+            <a:r>
+              <a:rPr lang="en-AU" sz="1600" dirty="0">
                 <a:solidFill>
-                  <a:srgbClr val="000000"/>
+                  <a:srgbClr val="FF0000"/>
                 </a:solidFill>
-                <a:effectLst/>
-                <a:latin typeface="Courier New" panose="02070309020205020404" pitchFamily="49" charset="0"/>
-                <a:ea typeface="Times New Roman" panose="02020603050405020304" pitchFamily="18" charset="0"/>
-                <a:cs typeface="Times New Roman" panose="02020603050405020304" pitchFamily="18" charset="0"/>
               </a:rPr>
-              <a:t>Halfmove</a:t>
-            </a:r>
-            <a:r>
-              <a:rPr lang="en-AU" sz="1200" kern="0" dirty="0">
-                <a:solidFill>
-                  <a:srgbClr val="000000"/>
-                </a:solidFill>
-                <a:effectLst/>
-                <a:latin typeface="Courier New" panose="02070309020205020404" pitchFamily="49" charset="0"/>
-                <a:ea typeface="Times New Roman" panose="02020603050405020304" pitchFamily="18" charset="0"/>
-                <a:cs typeface="Times New Roman" panose="02020603050405020304" pitchFamily="18" charset="0"/>
-              </a:rPr>
-              <a:t> clock&gt;</a:t>
-            </a:r>
-            <a:endParaRPr lang="en-AU" sz="1400" kern="100" dirty="0">
-              <a:effectLst/>
-              <a:latin typeface="Segoe UI" panose="020B0502040204020203" pitchFamily="34" charset="0"/>
-              <a:ea typeface="Segoe UI" panose="020B0502040204020203" pitchFamily="34" charset="0"/>
-              <a:cs typeface="Times New Roman" panose="02020603050405020304" pitchFamily="18" charset="0"/>
-            </a:endParaRPr>
-          </a:p>
-          <a:p>
-            <a:pPr>
-              <a:spcAft>
-                <a:spcPts val="800"/>
-              </a:spcAft>
-              <a:tabLst>
-                <a:tab pos="581660" algn="l"/>
-                <a:tab pos="1163320" algn="l"/>
-                <a:tab pos="1744980" algn="l"/>
-                <a:tab pos="2326640" algn="l"/>
-                <a:tab pos="2908300" algn="l"/>
-                <a:tab pos="3489960" algn="l"/>
-                <a:tab pos="4071620" algn="l"/>
-                <a:tab pos="4653280" algn="l"/>
-                <a:tab pos="5234940" algn="l"/>
-                <a:tab pos="5816600" algn="l"/>
-                <a:tab pos="6398260" algn="l"/>
-                <a:tab pos="6979920" algn="l"/>
-                <a:tab pos="7561580" algn="l"/>
-                <a:tab pos="8143240" algn="l"/>
-                <a:tab pos="8724900" algn="l"/>
-                <a:tab pos="9306560" algn="l"/>
-              </a:tabLst>
-            </a:pPr>
-            <a:r>
-              <a:rPr lang="en-AU" sz="1200" kern="0" dirty="0">
-                <a:solidFill>
-                  <a:srgbClr val="000000"/>
-                </a:solidFill>
-                <a:effectLst/>
-                <a:latin typeface="Courier New" panose="02070309020205020404" pitchFamily="49" charset="0"/>
-                <a:ea typeface="Times New Roman" panose="02020603050405020304" pitchFamily="18" charset="0"/>
-                <a:cs typeface="Times New Roman" panose="02020603050405020304" pitchFamily="18" charset="0"/>
-              </a:rPr>
-              <a:t>       ' ' &lt;</a:t>
-            </a:r>
-            <a:r>
-              <a:rPr lang="en-AU" sz="1200" kern="0" dirty="0" err="1">
-                <a:solidFill>
-                  <a:srgbClr val="000000"/>
-                </a:solidFill>
-                <a:effectLst/>
-                <a:latin typeface="Courier New" panose="02070309020205020404" pitchFamily="49" charset="0"/>
-                <a:ea typeface="Times New Roman" panose="02020603050405020304" pitchFamily="18" charset="0"/>
-                <a:cs typeface="Times New Roman" panose="02020603050405020304" pitchFamily="18" charset="0"/>
-              </a:rPr>
-              <a:t>Fullmove</a:t>
-            </a:r>
-            <a:r>
-              <a:rPr lang="en-AU" sz="1200" kern="0" dirty="0">
-                <a:solidFill>
-                  <a:srgbClr val="000000"/>
-                </a:solidFill>
-                <a:effectLst/>
-                <a:latin typeface="Courier New" panose="02070309020205020404" pitchFamily="49" charset="0"/>
-                <a:ea typeface="Times New Roman" panose="02020603050405020304" pitchFamily="18" charset="0"/>
-                <a:cs typeface="Times New Roman" panose="02020603050405020304" pitchFamily="18" charset="0"/>
-              </a:rPr>
-              <a:t> counter&gt;</a:t>
-            </a:r>
-            <a:endParaRPr lang="en-AU" sz="1400" kern="100" dirty="0">
-              <a:effectLst/>
-              <a:latin typeface="Segoe UI" panose="020B0502040204020203" pitchFamily="34" charset="0"/>
-              <a:ea typeface="Segoe UI" panose="020B0502040204020203" pitchFamily="34" charset="0"/>
-              <a:cs typeface="Times New Roman" panose="02020603050405020304" pitchFamily="18" charset="0"/>
-            </a:endParaRPr>
+              <a:t>&lt;piece&gt; = &lt;white piece&gt; | &lt;black piece&gt;</a:t>
+            </a:r>
           </a:p>
         </p:txBody>
       </p:sp>
@@ -4262,6 +4377,66 @@
           </a:p>
         </p:txBody>
       </p:sp>
+      <p:pic>
+        <p:nvPicPr>
+          <p:cNvPr id="3" name="Picture 2" descr="A screen shot of a computer screen&#10;&#10;Description automatically generated">
+            <a:extLst>
+              <a:ext uri="{FF2B5EF4-FFF2-40B4-BE49-F238E27FC236}">
+                <a16:creationId xmlns:a16="http://schemas.microsoft.com/office/drawing/2014/main" id="{2EC236CE-876A-879F-2ED1-F5859B6CBA79}"/>
+              </a:ext>
+            </a:extLst>
+          </p:cNvPr>
+          <p:cNvPicPr>
+            <a:picLocks noChangeAspect="1"/>
+          </p:cNvPicPr>
+          <p:nvPr/>
+        </p:nvPicPr>
+        <p:blipFill>
+          <a:blip r:embed="rId2"/>
+          <a:stretch>
+            <a:fillRect/>
+          </a:stretch>
+        </p:blipFill>
+        <p:spPr>
+          <a:xfrm>
+            <a:off x="999679" y="1406139"/>
+            <a:ext cx="4381500" cy="1447800"/>
+          </a:xfrm>
+          <a:prstGeom prst="rect">
+            <a:avLst/>
+          </a:prstGeom>
+        </p:spPr>
+      </p:pic>
+      <p:pic>
+        <p:nvPicPr>
+          <p:cNvPr id="4" name="Picture 3">
+            <a:extLst>
+              <a:ext uri="{FF2B5EF4-FFF2-40B4-BE49-F238E27FC236}">
+                <a16:creationId xmlns:a16="http://schemas.microsoft.com/office/drawing/2014/main" id="{9DF34D2C-0185-DFC4-B9CF-1D50EF1F2EFE}"/>
+              </a:ext>
+            </a:extLst>
+          </p:cNvPr>
+          <p:cNvPicPr>
+            <a:picLocks noChangeAspect="1"/>
+          </p:cNvPicPr>
+          <p:nvPr/>
+        </p:nvPicPr>
+        <p:blipFill>
+          <a:blip r:embed="rId3"/>
+          <a:stretch>
+            <a:fillRect/>
+          </a:stretch>
+        </p:blipFill>
+        <p:spPr>
+          <a:xfrm>
+            <a:off x="1018729" y="3095512"/>
+            <a:ext cx="4343400" cy="1447800"/>
+          </a:xfrm>
+          <a:prstGeom prst="rect">
+            <a:avLst/>
+          </a:prstGeom>
+        </p:spPr>
+      </p:pic>
     </p:spTree>
     <p:extLst>
       <p:ext uri="{BB962C8B-B14F-4D97-AF65-F5344CB8AC3E}">
@@ -4329,6 +4504,96 @@
           </a:p>
         </p:txBody>
       </p:sp>
+      <p:pic>
+        <p:nvPicPr>
+          <p:cNvPr id="3" name="Picture 2">
+            <a:extLst>
+              <a:ext uri="{FF2B5EF4-FFF2-40B4-BE49-F238E27FC236}">
+                <a16:creationId xmlns:a16="http://schemas.microsoft.com/office/drawing/2014/main" id="{2ADC2CDA-AA41-795D-A66B-E6BE04FA1E13}"/>
+              </a:ext>
+            </a:extLst>
+          </p:cNvPr>
+          <p:cNvPicPr>
+            <a:picLocks noChangeAspect="1"/>
+          </p:cNvPicPr>
+          <p:nvPr/>
+        </p:nvPicPr>
+        <p:blipFill>
+          <a:blip r:embed="rId2"/>
+          <a:stretch>
+            <a:fillRect/>
+          </a:stretch>
+        </p:blipFill>
+        <p:spPr>
+          <a:xfrm>
+            <a:off x="964536" y="1259406"/>
+            <a:ext cx="3335655" cy="3452495"/>
+          </a:xfrm>
+          <a:prstGeom prst="rect">
+            <a:avLst/>
+          </a:prstGeom>
+        </p:spPr>
+      </p:pic>
+      <p:pic>
+        <p:nvPicPr>
+          <p:cNvPr id="4" name="Picture 3" descr="A computer screen shot of a program&#10;&#10;Description automatically generated">
+            <a:extLst>
+              <a:ext uri="{FF2B5EF4-FFF2-40B4-BE49-F238E27FC236}">
+                <a16:creationId xmlns:a16="http://schemas.microsoft.com/office/drawing/2014/main" id="{50C37E17-7ACD-466F-5B22-0429905876C0}"/>
+              </a:ext>
+            </a:extLst>
+          </p:cNvPr>
+          <p:cNvPicPr>
+            <a:picLocks noChangeAspect="1"/>
+          </p:cNvPicPr>
+          <p:nvPr/>
+        </p:nvPicPr>
+        <p:blipFill>
+          <a:blip r:embed="rId3"/>
+          <a:stretch>
+            <a:fillRect/>
+          </a:stretch>
+        </p:blipFill>
+        <p:spPr>
+          <a:xfrm>
+            <a:off x="4671118" y="1289424"/>
+            <a:ext cx="5731510" cy="3158490"/>
+          </a:xfrm>
+          <a:prstGeom prst="rect">
+            <a:avLst/>
+          </a:prstGeom>
+        </p:spPr>
+      </p:pic>
+      <p:pic>
+        <p:nvPicPr>
+          <p:cNvPr id="5" name="Picture 4" descr="A screen shot of a computer program&#10;&#10;Description automatically generated">
+            <a:extLst>
+              <a:ext uri="{FF2B5EF4-FFF2-40B4-BE49-F238E27FC236}">
+                <a16:creationId xmlns:a16="http://schemas.microsoft.com/office/drawing/2014/main" id="{E0640F17-58A2-57F4-3097-A67EAAA8086E}"/>
+              </a:ext>
+            </a:extLst>
+          </p:cNvPr>
+          <p:cNvPicPr>
+            <a:picLocks noChangeAspect="1"/>
+          </p:cNvPicPr>
+          <p:nvPr/>
+        </p:nvPicPr>
+        <p:blipFill>
+          <a:blip r:embed="rId4"/>
+          <a:stretch>
+            <a:fillRect/>
+          </a:stretch>
+        </p:blipFill>
+        <p:spPr>
+          <a:xfrm>
+            <a:off x="4671118" y="4711901"/>
+            <a:ext cx="3017520" cy="693420"/>
+          </a:xfrm>
+          <a:prstGeom prst="rect">
+            <a:avLst/>
+          </a:prstGeom>
+        </p:spPr>
+      </p:pic>
     </p:spTree>
     <p:extLst>
       <p:ext uri="{BB962C8B-B14F-4D97-AF65-F5344CB8AC3E}">

--- a/DailyChessPuzzle.pptx
+++ b/DailyChessPuzzle.pptx
@@ -4,6 +4,9 @@
   <p:sldMasterIdLst>
     <p:sldMasterId id="2147483648" r:id="rId1"/>
   </p:sldMasterIdLst>
+  <p:notesMasterIdLst>
+    <p:notesMasterId r:id="rId13"/>
+  </p:notesMasterIdLst>
   <p:sldIdLst>
     <p:sldId id="256" r:id="rId2"/>
     <p:sldId id="258" r:id="rId3"/>
@@ -11,7 +14,11 @@
     <p:sldId id="259" r:id="rId5"/>
     <p:sldId id="260" r:id="rId6"/>
     <p:sldId id="261" r:id="rId7"/>
-    <p:sldId id="262" r:id="rId8"/>
+    <p:sldId id="2467" r:id="rId8"/>
+    <p:sldId id="2468" r:id="rId9"/>
+    <p:sldId id="262" r:id="rId10"/>
+    <p:sldId id="264" r:id="rId11"/>
+    <p:sldId id="265" r:id="rId12"/>
   </p:sldIdLst>
   <p:sldSz cx="12192000" cy="6858000"/>
   <p:notesSz cx="6858000" cy="9144000"/>
@@ -240,6 +247,524 @@
 </pc:chgInfo>
 </file>
 
+<file path=ppt/notesMasters/notesMaster1.xml><?xml version="1.0" encoding="utf-8"?>
+<p:notesMaster xmlns:a="http://schemas.openxmlformats.org/drawingml/2006/main" xmlns:r="http://schemas.openxmlformats.org/officeDocument/2006/relationships" xmlns:p="http://schemas.openxmlformats.org/presentationml/2006/main">
+  <p:cSld>
+    <p:bg>
+      <p:bgRef idx="1001">
+        <a:schemeClr val="bg1"/>
+      </p:bgRef>
+    </p:bg>
+    <p:spTree>
+      <p:nvGrpSpPr>
+        <p:cNvPr id="1" name=""/>
+        <p:cNvGrpSpPr/>
+        <p:nvPr/>
+      </p:nvGrpSpPr>
+      <p:grpSpPr>
+        <a:xfrm>
+          <a:off x="0" y="0"/>
+          <a:ext cx="0" cy="0"/>
+          <a:chOff x="0" y="0"/>
+          <a:chExt cx="0" cy="0"/>
+        </a:xfrm>
+      </p:grpSpPr>
+      <p:sp>
+        <p:nvSpPr>
+          <p:cNvPr id="2" name="Header Placeholder 1"/>
+          <p:cNvSpPr>
+            <a:spLocks noGrp="1"/>
+          </p:cNvSpPr>
+          <p:nvPr>
+            <p:ph type="hdr" sz="quarter"/>
+          </p:nvPr>
+        </p:nvSpPr>
+        <p:spPr>
+          <a:xfrm>
+            <a:off x="0" y="0"/>
+            <a:ext cx="2971800" cy="458788"/>
+          </a:xfrm>
+          <a:prstGeom prst="rect">
+            <a:avLst/>
+          </a:prstGeom>
+        </p:spPr>
+        <p:txBody>
+          <a:bodyPr vert="horz" lIns="91440" tIns="45720" rIns="91440" bIns="45720" rtlCol="0"/>
+          <a:lstStyle>
+            <a:lvl1pPr algn="l">
+              <a:defRPr sz="1200"/>
+            </a:lvl1pPr>
+          </a:lstStyle>
+          <a:p>
+            <a:endParaRPr lang="en-AU"/>
+          </a:p>
+        </p:txBody>
+      </p:sp>
+      <p:sp>
+        <p:nvSpPr>
+          <p:cNvPr id="3" name="Date Placeholder 2"/>
+          <p:cNvSpPr>
+            <a:spLocks noGrp="1"/>
+          </p:cNvSpPr>
+          <p:nvPr>
+            <p:ph type="dt" idx="1"/>
+          </p:nvPr>
+        </p:nvSpPr>
+        <p:spPr>
+          <a:xfrm>
+            <a:off x="3884613" y="0"/>
+            <a:ext cx="2971800" cy="458788"/>
+          </a:xfrm>
+          <a:prstGeom prst="rect">
+            <a:avLst/>
+          </a:prstGeom>
+        </p:spPr>
+        <p:txBody>
+          <a:bodyPr vert="horz" lIns="91440" tIns="45720" rIns="91440" bIns="45720" rtlCol="0"/>
+          <a:lstStyle>
+            <a:lvl1pPr algn="r">
+              <a:defRPr sz="1200"/>
+            </a:lvl1pPr>
+          </a:lstStyle>
+          <a:p>
+            <a:fld id="{60B24B0A-6557-44B2-8801-337DD57AFBE3}" type="datetimeFigureOut">
+              <a:rPr lang="en-AU" smtClean="0"/>
+              <a:t>18/10/2023</a:t>
+            </a:fld>
+            <a:endParaRPr lang="en-AU"/>
+          </a:p>
+        </p:txBody>
+      </p:sp>
+      <p:sp>
+        <p:nvSpPr>
+          <p:cNvPr id="4" name="Slide Image Placeholder 3"/>
+          <p:cNvSpPr>
+            <a:spLocks noGrp="1" noRot="1" noChangeAspect="1"/>
+          </p:cNvSpPr>
+          <p:nvPr>
+            <p:ph type="sldImg" idx="2"/>
+          </p:nvPr>
+        </p:nvSpPr>
+        <p:spPr>
+          <a:xfrm>
+            <a:off x="685800" y="1143000"/>
+            <a:ext cx="5486400" cy="3086100"/>
+          </a:xfrm>
+          <a:prstGeom prst="rect">
+            <a:avLst/>
+          </a:prstGeom>
+          <a:noFill/>
+          <a:ln w="12700">
+            <a:solidFill>
+              <a:prstClr val="black"/>
+            </a:solidFill>
+          </a:ln>
+        </p:spPr>
+        <p:txBody>
+          <a:bodyPr vert="horz" lIns="91440" tIns="45720" rIns="91440" bIns="45720" rtlCol="0" anchor="ctr"/>
+          <a:lstStyle/>
+          <a:p>
+            <a:endParaRPr lang="en-AU"/>
+          </a:p>
+        </p:txBody>
+      </p:sp>
+      <p:sp>
+        <p:nvSpPr>
+          <p:cNvPr id="5" name="Notes Placeholder 4"/>
+          <p:cNvSpPr>
+            <a:spLocks noGrp="1"/>
+          </p:cNvSpPr>
+          <p:nvPr>
+            <p:ph type="body" sz="quarter" idx="3"/>
+          </p:nvPr>
+        </p:nvSpPr>
+        <p:spPr>
+          <a:xfrm>
+            <a:off x="685800" y="4400550"/>
+            <a:ext cx="5486400" cy="3600450"/>
+          </a:xfrm>
+          <a:prstGeom prst="rect">
+            <a:avLst/>
+          </a:prstGeom>
+        </p:spPr>
+        <p:txBody>
+          <a:bodyPr vert="horz" lIns="91440" tIns="45720" rIns="91440" bIns="45720" rtlCol="0"/>
+          <a:lstStyle/>
+          <a:p>
+            <a:pPr lvl="0"/>
+            <a:r>
+              <a:rPr lang="en-US"/>
+              <a:t>Click to edit Master text styles</a:t>
+            </a:r>
+          </a:p>
+          <a:p>
+            <a:pPr lvl="1"/>
+            <a:r>
+              <a:rPr lang="en-US"/>
+              <a:t>Second level</a:t>
+            </a:r>
+          </a:p>
+          <a:p>
+            <a:pPr lvl="2"/>
+            <a:r>
+              <a:rPr lang="en-US"/>
+              <a:t>Third level</a:t>
+            </a:r>
+          </a:p>
+          <a:p>
+            <a:pPr lvl="3"/>
+            <a:r>
+              <a:rPr lang="en-US"/>
+              <a:t>Fourth level</a:t>
+            </a:r>
+          </a:p>
+          <a:p>
+            <a:pPr lvl="4"/>
+            <a:r>
+              <a:rPr lang="en-US"/>
+              <a:t>Fifth level</a:t>
+            </a:r>
+            <a:endParaRPr lang="en-AU"/>
+          </a:p>
+        </p:txBody>
+      </p:sp>
+      <p:sp>
+        <p:nvSpPr>
+          <p:cNvPr id="6" name="Footer Placeholder 5"/>
+          <p:cNvSpPr>
+            <a:spLocks noGrp="1"/>
+          </p:cNvSpPr>
+          <p:nvPr>
+            <p:ph type="ftr" sz="quarter" idx="4"/>
+          </p:nvPr>
+        </p:nvSpPr>
+        <p:spPr>
+          <a:xfrm>
+            <a:off x="0" y="8685213"/>
+            <a:ext cx="2971800" cy="458787"/>
+          </a:xfrm>
+          <a:prstGeom prst="rect">
+            <a:avLst/>
+          </a:prstGeom>
+        </p:spPr>
+        <p:txBody>
+          <a:bodyPr vert="horz" lIns="91440" tIns="45720" rIns="91440" bIns="45720" rtlCol="0" anchor="b"/>
+          <a:lstStyle>
+            <a:lvl1pPr algn="l">
+              <a:defRPr sz="1200"/>
+            </a:lvl1pPr>
+          </a:lstStyle>
+          <a:p>
+            <a:endParaRPr lang="en-AU"/>
+          </a:p>
+        </p:txBody>
+      </p:sp>
+      <p:sp>
+        <p:nvSpPr>
+          <p:cNvPr id="7" name="Slide Number Placeholder 6"/>
+          <p:cNvSpPr>
+            <a:spLocks noGrp="1"/>
+          </p:cNvSpPr>
+          <p:nvPr>
+            <p:ph type="sldNum" sz="quarter" idx="5"/>
+          </p:nvPr>
+        </p:nvSpPr>
+        <p:spPr>
+          <a:xfrm>
+            <a:off x="3884613" y="8685213"/>
+            <a:ext cx="2971800" cy="458787"/>
+          </a:xfrm>
+          <a:prstGeom prst="rect">
+            <a:avLst/>
+          </a:prstGeom>
+        </p:spPr>
+        <p:txBody>
+          <a:bodyPr vert="horz" lIns="91440" tIns="45720" rIns="91440" bIns="45720" rtlCol="0" anchor="b"/>
+          <a:lstStyle>
+            <a:lvl1pPr algn="r">
+              <a:defRPr sz="1200"/>
+            </a:lvl1pPr>
+          </a:lstStyle>
+          <a:p>
+            <a:fld id="{B85327CB-0C59-4F46-A614-B76E7200A6AF}" type="slidenum">
+              <a:rPr lang="en-AU" smtClean="0"/>
+              <a:t>‹#›</a:t>
+            </a:fld>
+            <a:endParaRPr lang="en-AU"/>
+          </a:p>
+        </p:txBody>
+      </p:sp>
+    </p:spTree>
+    <p:extLst>
+      <p:ext uri="{BB962C8B-B14F-4D97-AF65-F5344CB8AC3E}">
+        <p14:creationId xmlns:p14="http://schemas.microsoft.com/office/powerpoint/2010/main" val="3519163820"/>
+      </p:ext>
+    </p:extLst>
+  </p:cSld>
+  <p:clrMap bg1="lt1" tx1="dk1" bg2="lt2" tx2="dk2" accent1="accent1" accent2="accent2" accent3="accent3" accent4="accent4" accent5="accent5" accent6="accent6" hlink="hlink" folHlink="folHlink"/>
+  <p:notesStyle>
+    <a:lvl1pPr marL="0" algn="l" defTabSz="914400" rtl="0" eaLnBrk="1" latinLnBrk="0" hangingPunct="1">
+      <a:defRPr sz="1200" kern="1200">
+        <a:solidFill>
+          <a:schemeClr val="tx1"/>
+        </a:solidFill>
+        <a:latin typeface="+mn-lt"/>
+        <a:ea typeface="+mn-ea"/>
+        <a:cs typeface="+mn-cs"/>
+      </a:defRPr>
+    </a:lvl1pPr>
+    <a:lvl2pPr marL="457200" algn="l" defTabSz="914400" rtl="0" eaLnBrk="1" latinLnBrk="0" hangingPunct="1">
+      <a:defRPr sz="1200" kern="1200">
+        <a:solidFill>
+          <a:schemeClr val="tx1"/>
+        </a:solidFill>
+        <a:latin typeface="+mn-lt"/>
+        <a:ea typeface="+mn-ea"/>
+        <a:cs typeface="+mn-cs"/>
+      </a:defRPr>
+    </a:lvl2pPr>
+    <a:lvl3pPr marL="914400" algn="l" defTabSz="914400" rtl="0" eaLnBrk="1" latinLnBrk="0" hangingPunct="1">
+      <a:defRPr sz="1200" kern="1200">
+        <a:solidFill>
+          <a:schemeClr val="tx1"/>
+        </a:solidFill>
+        <a:latin typeface="+mn-lt"/>
+        <a:ea typeface="+mn-ea"/>
+        <a:cs typeface="+mn-cs"/>
+      </a:defRPr>
+    </a:lvl3pPr>
+    <a:lvl4pPr marL="1371600" algn="l" defTabSz="914400" rtl="0" eaLnBrk="1" latinLnBrk="0" hangingPunct="1">
+      <a:defRPr sz="1200" kern="1200">
+        <a:solidFill>
+          <a:schemeClr val="tx1"/>
+        </a:solidFill>
+        <a:latin typeface="+mn-lt"/>
+        <a:ea typeface="+mn-ea"/>
+        <a:cs typeface="+mn-cs"/>
+      </a:defRPr>
+    </a:lvl4pPr>
+    <a:lvl5pPr marL="1828800" algn="l" defTabSz="914400" rtl="0" eaLnBrk="1" latinLnBrk="0" hangingPunct="1">
+      <a:defRPr sz="1200" kern="1200">
+        <a:solidFill>
+          <a:schemeClr val="tx1"/>
+        </a:solidFill>
+        <a:latin typeface="+mn-lt"/>
+        <a:ea typeface="+mn-ea"/>
+        <a:cs typeface="+mn-cs"/>
+      </a:defRPr>
+    </a:lvl5pPr>
+    <a:lvl6pPr marL="2286000" algn="l" defTabSz="914400" rtl="0" eaLnBrk="1" latinLnBrk="0" hangingPunct="1">
+      <a:defRPr sz="1200" kern="1200">
+        <a:solidFill>
+          <a:schemeClr val="tx1"/>
+        </a:solidFill>
+        <a:latin typeface="+mn-lt"/>
+        <a:ea typeface="+mn-ea"/>
+        <a:cs typeface="+mn-cs"/>
+      </a:defRPr>
+    </a:lvl6pPr>
+    <a:lvl7pPr marL="2743200" algn="l" defTabSz="914400" rtl="0" eaLnBrk="1" latinLnBrk="0" hangingPunct="1">
+      <a:defRPr sz="1200" kern="1200">
+        <a:solidFill>
+          <a:schemeClr val="tx1"/>
+        </a:solidFill>
+        <a:latin typeface="+mn-lt"/>
+        <a:ea typeface="+mn-ea"/>
+        <a:cs typeface="+mn-cs"/>
+      </a:defRPr>
+    </a:lvl7pPr>
+    <a:lvl8pPr marL="3200400" algn="l" defTabSz="914400" rtl="0" eaLnBrk="1" latinLnBrk="0" hangingPunct="1">
+      <a:defRPr sz="1200" kern="1200">
+        <a:solidFill>
+          <a:schemeClr val="tx1"/>
+        </a:solidFill>
+        <a:latin typeface="+mn-lt"/>
+        <a:ea typeface="+mn-ea"/>
+        <a:cs typeface="+mn-cs"/>
+      </a:defRPr>
+    </a:lvl8pPr>
+    <a:lvl9pPr marL="3657600" algn="l" defTabSz="914400" rtl="0" eaLnBrk="1" latinLnBrk="0" hangingPunct="1">
+      <a:defRPr sz="1200" kern="1200">
+        <a:solidFill>
+          <a:schemeClr val="tx1"/>
+        </a:solidFill>
+        <a:latin typeface="+mn-lt"/>
+        <a:ea typeface="+mn-ea"/>
+        <a:cs typeface="+mn-cs"/>
+      </a:defRPr>
+    </a:lvl9pPr>
+  </p:notesStyle>
+</p:notesMaster>
+</file>
+
+<file path=ppt/notesSlides/notesSlide1.xml><?xml version="1.0" encoding="utf-8"?>
+<p:notes xmlns:a="http://schemas.openxmlformats.org/drawingml/2006/main" xmlns:r="http://schemas.openxmlformats.org/officeDocument/2006/relationships" xmlns:p="http://schemas.openxmlformats.org/presentationml/2006/main">
+  <p:cSld>
+    <p:spTree>
+      <p:nvGrpSpPr>
+        <p:cNvPr id="1" name=""/>
+        <p:cNvGrpSpPr/>
+        <p:nvPr/>
+      </p:nvGrpSpPr>
+      <p:grpSpPr>
+        <a:xfrm>
+          <a:off x="0" y="0"/>
+          <a:ext cx="0" cy="0"/>
+          <a:chOff x="0" y="0"/>
+          <a:chExt cx="0" cy="0"/>
+        </a:xfrm>
+      </p:grpSpPr>
+      <p:sp>
+        <p:nvSpPr>
+          <p:cNvPr id="2" name="Slide Image Placeholder 1"/>
+          <p:cNvSpPr>
+            <a:spLocks noGrp="1" noRot="1" noChangeAspect="1"/>
+          </p:cNvSpPr>
+          <p:nvPr>
+            <p:ph type="sldImg"/>
+          </p:nvPr>
+        </p:nvSpPr>
+        <p:spPr/>
+      </p:sp>
+      <p:sp>
+        <p:nvSpPr>
+          <p:cNvPr id="3" name="Notes Placeholder 2"/>
+          <p:cNvSpPr>
+            <a:spLocks noGrp="1"/>
+          </p:cNvSpPr>
+          <p:nvPr>
+            <p:ph type="body" idx="1"/>
+          </p:nvPr>
+        </p:nvSpPr>
+        <p:spPr/>
+        <p:txBody>
+          <a:bodyPr/>
+          <a:lstStyle/>
+          <a:p>
+            <a:endParaRPr lang="en-US" dirty="0"/>
+          </a:p>
+        </p:txBody>
+      </p:sp>
+      <p:sp>
+        <p:nvSpPr>
+          <p:cNvPr id="4" name="Slide Number Placeholder 3"/>
+          <p:cNvSpPr>
+            <a:spLocks noGrp="1"/>
+          </p:cNvSpPr>
+          <p:nvPr>
+            <p:ph type="sldNum" sz="quarter" idx="5"/>
+          </p:nvPr>
+        </p:nvSpPr>
+        <p:spPr/>
+        <p:txBody>
+          <a:bodyPr/>
+          <a:lstStyle/>
+          <a:p>
+            <a:fld id="{228B34ED-4CDD-41C9-90F7-D768D5559A6F}" type="slidenum">
+              <a:rPr lang="en-US" smtClean="0"/>
+              <a:t>7</a:t>
+            </a:fld>
+            <a:endParaRPr lang="en-US" dirty="0"/>
+          </a:p>
+        </p:txBody>
+      </p:sp>
+    </p:spTree>
+    <p:extLst>
+      <p:ext uri="{BB962C8B-B14F-4D97-AF65-F5344CB8AC3E}">
+        <p14:creationId xmlns:p14="http://schemas.microsoft.com/office/powerpoint/2010/main" val="4272276991"/>
+      </p:ext>
+    </p:extLst>
+  </p:cSld>
+  <p:clrMapOvr>
+    <a:masterClrMapping/>
+  </p:clrMapOvr>
+</p:notes>
+</file>
+
+<file path=ppt/notesSlides/notesSlide2.xml><?xml version="1.0" encoding="utf-8"?>
+<p:notes xmlns:a="http://schemas.openxmlformats.org/drawingml/2006/main" xmlns:r="http://schemas.openxmlformats.org/officeDocument/2006/relationships" xmlns:p="http://schemas.openxmlformats.org/presentationml/2006/main">
+  <p:cSld>
+    <p:spTree>
+      <p:nvGrpSpPr>
+        <p:cNvPr id="1" name=""/>
+        <p:cNvGrpSpPr/>
+        <p:nvPr/>
+      </p:nvGrpSpPr>
+      <p:grpSpPr>
+        <a:xfrm>
+          <a:off x="0" y="0"/>
+          <a:ext cx="0" cy="0"/>
+          <a:chOff x="0" y="0"/>
+          <a:chExt cx="0" cy="0"/>
+        </a:xfrm>
+      </p:grpSpPr>
+      <p:sp>
+        <p:nvSpPr>
+          <p:cNvPr id="2" name="Slide Image Placeholder 1"/>
+          <p:cNvSpPr>
+            <a:spLocks noGrp="1" noRot="1" noChangeAspect="1"/>
+          </p:cNvSpPr>
+          <p:nvPr>
+            <p:ph type="sldImg"/>
+          </p:nvPr>
+        </p:nvSpPr>
+        <p:spPr/>
+      </p:sp>
+      <p:sp>
+        <p:nvSpPr>
+          <p:cNvPr id="3" name="Notes Placeholder 2"/>
+          <p:cNvSpPr>
+            <a:spLocks noGrp="1"/>
+          </p:cNvSpPr>
+          <p:nvPr>
+            <p:ph type="body" idx="1"/>
+          </p:nvPr>
+        </p:nvSpPr>
+        <p:spPr/>
+        <p:txBody>
+          <a:bodyPr/>
+          <a:lstStyle/>
+          <a:p>
+            <a:endParaRPr lang="en-US" dirty="0"/>
+          </a:p>
+        </p:txBody>
+      </p:sp>
+      <p:sp>
+        <p:nvSpPr>
+          <p:cNvPr id="4" name="Slide Number Placeholder 3"/>
+          <p:cNvSpPr>
+            <a:spLocks noGrp="1"/>
+          </p:cNvSpPr>
+          <p:nvPr>
+            <p:ph type="sldNum" sz="quarter" idx="5"/>
+          </p:nvPr>
+        </p:nvSpPr>
+        <p:spPr/>
+        <p:txBody>
+          <a:bodyPr/>
+          <a:lstStyle/>
+          <a:p>
+            <a:fld id="{228B34ED-4CDD-41C9-90F7-D768D5559A6F}" type="slidenum">
+              <a:rPr lang="en-US" smtClean="0"/>
+              <a:t>8</a:t>
+            </a:fld>
+            <a:endParaRPr lang="en-US" dirty="0"/>
+          </a:p>
+        </p:txBody>
+      </p:sp>
+    </p:spTree>
+    <p:extLst>
+      <p:ext uri="{BB962C8B-B14F-4D97-AF65-F5344CB8AC3E}">
+        <p14:creationId xmlns:p14="http://schemas.microsoft.com/office/powerpoint/2010/main" val="1510504069"/>
+      </p:ext>
+    </p:extLst>
+  </p:cSld>
+  <p:clrMapOvr>
+    <a:masterClrMapping/>
+  </p:clrMapOvr>
+</p:notes>
+</file>
+
 <file path=ppt/slideLayouts/slideLayout1.xml><?xml version="1.0" encoding="utf-8"?>
 <p:sldLayout xmlns:a="http://schemas.openxmlformats.org/drawingml/2006/main" xmlns:r="http://schemas.openxmlformats.org/officeDocument/2006/relationships" xmlns:p="http://schemas.openxmlformats.org/presentationml/2006/main" type="title" preserve="1">
   <p:cSld name="Title Slide">
@@ -863,6 +1388,448 @@
     <p:extLst>
       <p:ext uri="{BB962C8B-B14F-4D97-AF65-F5344CB8AC3E}">
         <p14:creationId xmlns:p14="http://schemas.microsoft.com/office/powerpoint/2010/main" val="2739431562"/>
+      </p:ext>
+    </p:extLst>
+  </p:cSld>
+  <p:clrMapOvr>
+    <a:masterClrMapping/>
+  </p:clrMapOvr>
+</p:sldLayout>
+</file>
+
+<file path=ppt/slideLayouts/slideLayout12.xml><?xml version="1.0" encoding="utf-8"?>
+<p:sldLayout xmlns:a="http://schemas.openxmlformats.org/drawingml/2006/main" xmlns:r="http://schemas.openxmlformats.org/officeDocument/2006/relationships" xmlns:p="http://schemas.openxmlformats.org/presentationml/2006/main" userDrawn="1">
+  <p:cSld name="Introduction">
+    <p:spTree>
+      <p:nvGrpSpPr>
+        <p:cNvPr id="1" name=""/>
+        <p:cNvGrpSpPr/>
+        <p:nvPr/>
+      </p:nvGrpSpPr>
+      <p:grpSpPr>
+        <a:xfrm>
+          <a:off x="0" y="0"/>
+          <a:ext cx="0" cy="0"/>
+          <a:chOff x="0" y="0"/>
+          <a:chExt cx="0" cy="0"/>
+        </a:xfrm>
+      </p:grpSpPr>
+      <p:sp>
+        <p:nvSpPr>
+          <p:cNvPr id="20" name="Text Placeholder 19">
+            <a:extLst>
+              <a:ext uri="{FF2B5EF4-FFF2-40B4-BE49-F238E27FC236}">
+                <a16:creationId xmlns:a16="http://schemas.microsoft.com/office/drawing/2014/main" id="{E5539E44-E270-49B4-8B0A-07870325AA91}"/>
+              </a:ext>
+            </a:extLst>
+          </p:cNvPr>
+          <p:cNvSpPr>
+            <a:spLocks noGrp="1"/>
+          </p:cNvSpPr>
+          <p:nvPr>
+            <p:ph type="body" sz="quarter" idx="16" hasCustomPrompt="1"/>
+          </p:nvPr>
+        </p:nvSpPr>
+        <p:spPr>
+          <a:xfrm>
+            <a:off x="6225539" y="1546138"/>
+            <a:ext cx="4023360" cy="464871"/>
+          </a:xfrm>
+          <a:gradFill flip="none" rotWithShape="1">
+            <a:gsLst>
+              <a:gs pos="0">
+                <a:schemeClr val="accent5"/>
+              </a:gs>
+              <a:gs pos="100000">
+                <a:schemeClr val="accent2">
+                  <a:lumMod val="97000"/>
+                  <a:lumOff val="3000"/>
+                </a:schemeClr>
+              </a:gs>
+              <a:gs pos="50000">
+                <a:schemeClr val="accent1"/>
+              </a:gs>
+            </a:gsLst>
+            <a:path path="circle">
+              <a:fillToRect l="100000" t="100000"/>
+            </a:path>
+            <a:tileRect r="-100000" b="-100000"/>
+          </a:gradFill>
+          <a:ln>
+            <a:noFill/>
+          </a:ln>
+        </p:spPr>
+        <p:style>
+          <a:lnRef idx="2">
+            <a:schemeClr val="accent1">
+              <a:shade val="50000"/>
+            </a:schemeClr>
+          </a:lnRef>
+          <a:fillRef idx="1">
+            <a:schemeClr val="accent1"/>
+          </a:fillRef>
+          <a:effectRef idx="0">
+            <a:schemeClr val="accent1"/>
+          </a:effectRef>
+          <a:fontRef idx="minor">
+            <a:schemeClr val="lt1"/>
+          </a:fontRef>
+        </p:style>
+        <p:txBody>
+          <a:bodyPr rtlCol="0" anchor="ctr">
+            <a:noAutofit/>
+          </a:bodyPr>
+          <a:lstStyle>
+            <a:lvl1pPr marL="0" indent="0" algn="ctr">
+              <a:lnSpc>
+                <a:spcPct val="100000"/>
+              </a:lnSpc>
+              <a:spcBef>
+                <a:spcPts val="0"/>
+              </a:spcBef>
+              <a:buNone/>
+              <a:defRPr lang="en-US" sz="1400" spc="300" baseline="0" dirty="0">
+                <a:solidFill>
+                  <a:schemeClr val="lt1"/>
+                </a:solidFill>
+              </a:defRPr>
+            </a:lvl1pPr>
+          </a:lstStyle>
+          <a:p>
+            <a:pPr marL="0" lvl="0" algn="ctr"/>
+            <a:r>
+              <a:rPr lang="en-US" dirty="0"/>
+              <a:t>CLICK TO EDIT MASTER TEXT STYLES</a:t>
+            </a:r>
+          </a:p>
+        </p:txBody>
+      </p:sp>
+      <p:sp>
+        <p:nvSpPr>
+          <p:cNvPr id="9" name="Picture Placeholder 8">
+            <a:extLst>
+              <a:ext uri="{FF2B5EF4-FFF2-40B4-BE49-F238E27FC236}">
+                <a16:creationId xmlns:a16="http://schemas.microsoft.com/office/drawing/2014/main" id="{186FE9B2-6286-484B-8943-95EE0B6B0267}"/>
+              </a:ext>
+            </a:extLst>
+          </p:cNvPr>
+          <p:cNvSpPr>
+            <a:spLocks noGrp="1"/>
+          </p:cNvSpPr>
+          <p:nvPr>
+            <p:ph type="pic" sz="quarter" idx="14"/>
+          </p:nvPr>
+        </p:nvSpPr>
+        <p:spPr>
+          <a:xfrm>
+            <a:off x="0" y="0"/>
+            <a:ext cx="5416550" cy="6846932"/>
+          </a:xfrm>
+          <a:effectLst/>
+        </p:spPr>
+        <p:txBody>
+          <a:bodyPr anchor="ctr"/>
+          <a:lstStyle>
+            <a:lvl1pPr marL="0" indent="0" algn="ctr">
+              <a:buNone/>
+              <a:defRPr/>
+            </a:lvl1pPr>
+          </a:lstStyle>
+          <a:p>
+            <a:r>
+              <a:rPr lang="en-US"/>
+              <a:t>Click icon to add picture</a:t>
+            </a:r>
+            <a:endParaRPr lang="en-US" dirty="0"/>
+          </a:p>
+        </p:txBody>
+      </p:sp>
+      <p:sp>
+        <p:nvSpPr>
+          <p:cNvPr id="11" name="Slide Number Placeholder 5">
+            <a:extLst>
+              <a:ext uri="{FF2B5EF4-FFF2-40B4-BE49-F238E27FC236}">
+                <a16:creationId xmlns:a16="http://schemas.microsoft.com/office/drawing/2014/main" id="{7D4E8708-8565-4A5B-9D9E-1D4F40EAF909}"/>
+              </a:ext>
+            </a:extLst>
+          </p:cNvPr>
+          <p:cNvSpPr>
+            <a:spLocks noGrp="1"/>
+          </p:cNvSpPr>
+          <p:nvPr>
+            <p:ph type="sldNum" sz="quarter" idx="4"/>
+          </p:nvPr>
+        </p:nvSpPr>
+        <p:spPr>
+          <a:xfrm>
+            <a:off x="11549269" y="6468303"/>
+            <a:ext cx="443948" cy="365125"/>
+          </a:xfrm>
+          <a:prstGeom prst="rect">
+            <a:avLst/>
+          </a:prstGeom>
+        </p:spPr>
+        <p:txBody>
+          <a:bodyPr vert="horz" lIns="91440" tIns="45720" rIns="91440" bIns="45720" rtlCol="0" anchor="ctr"/>
+          <a:lstStyle>
+            <a:lvl1pPr algn="r">
+              <a:defRPr sz="1200">
+                <a:solidFill>
+                  <a:schemeClr val="tx1">
+                    <a:tint val="75000"/>
+                  </a:schemeClr>
+                </a:solidFill>
+              </a:defRPr>
+            </a:lvl1pPr>
+          </a:lstStyle>
+          <a:p>
+            <a:fld id="{8C2E478F-E849-4A8C-AF1F-CBCC78A7CBFA}" type="slidenum">
+              <a:rPr lang="en-US" smtClean="0"/>
+              <a:t>‹#›</a:t>
+            </a:fld>
+            <a:endParaRPr lang="en-US" dirty="0"/>
+          </a:p>
+        </p:txBody>
+      </p:sp>
+      <p:sp>
+        <p:nvSpPr>
+          <p:cNvPr id="16" name="Content Placeholder 8">
+            <a:extLst>
+              <a:ext uri="{FF2B5EF4-FFF2-40B4-BE49-F238E27FC236}">
+                <a16:creationId xmlns:a16="http://schemas.microsoft.com/office/drawing/2014/main" id="{42436126-0370-4532-A8AD-D20897982AD2}"/>
+              </a:ext>
+            </a:extLst>
+          </p:cNvPr>
+          <p:cNvSpPr>
+            <a:spLocks noGrp="1"/>
+          </p:cNvSpPr>
+          <p:nvPr>
+            <p:ph idx="1" hasCustomPrompt="1"/>
+          </p:nvPr>
+        </p:nvSpPr>
+        <p:spPr>
+          <a:xfrm>
+            <a:off x="6096000" y="2799617"/>
+            <a:ext cx="4646246" cy="2218585"/>
+          </a:xfrm>
+        </p:spPr>
+        <p:txBody>
+          <a:bodyPr>
+            <a:noAutofit/>
+          </a:bodyPr>
+          <a:lstStyle>
+            <a:lvl1pPr>
+              <a:defRPr/>
+            </a:lvl1pPr>
+          </a:lstStyle>
+          <a:p>
+            <a:pPr marL="0" indent="0">
+              <a:lnSpc>
+                <a:spcPct val="100000"/>
+              </a:lnSpc>
+              <a:buNone/>
+            </a:pPr>
+            <a:r>
+              <a:rPr lang="en-US" sz="1600" dirty="0">
+                <a:cs typeface="Biome Light" panose="020B0303030204020804" pitchFamily="34" charset="0"/>
+              </a:rPr>
+              <a:t>Click to edit master text style.</a:t>
+            </a:r>
+          </a:p>
+          <a:p>
+            <a:pPr marL="0" indent="0">
+              <a:buNone/>
+            </a:pPr>
+            <a:endParaRPr lang="en-US" dirty="0"/>
+          </a:p>
+        </p:txBody>
+      </p:sp>
+      <p:sp>
+        <p:nvSpPr>
+          <p:cNvPr id="17" name="Slide Number Placeholder 70">
+            <a:extLst>
+              <a:ext uri="{FF2B5EF4-FFF2-40B4-BE49-F238E27FC236}">
+                <a16:creationId xmlns:a16="http://schemas.microsoft.com/office/drawing/2014/main" id="{AEC105AD-E933-4969-B038-0ABD6F013167}"/>
+              </a:ext>
+            </a:extLst>
+          </p:cNvPr>
+          <p:cNvSpPr txBox="1">
+            <a:spLocks/>
+          </p:cNvSpPr>
+          <p:nvPr userDrawn="1"/>
+        </p:nvSpPr>
+        <p:spPr>
+          <a:xfrm>
+            <a:off x="11549269" y="6468303"/>
+            <a:ext cx="443948" cy="365125"/>
+          </a:xfrm>
+          <a:prstGeom prst="rect">
+            <a:avLst/>
+          </a:prstGeom>
+        </p:spPr>
+        <p:txBody>
+          <a:bodyPr vert="horz" lIns="91440" tIns="45720" rIns="91440" bIns="45720" rtlCol="0" anchor="ctr"/>
+          <a:lstStyle>
+            <a:defPPr>
+              <a:defRPr lang="en-US"/>
+            </a:defPPr>
+            <a:lvl1pPr marL="0" algn="r" defTabSz="914400" rtl="0" eaLnBrk="1" latinLnBrk="0" hangingPunct="1">
+              <a:defRPr sz="1200" kern="1200">
+                <a:solidFill>
+                  <a:schemeClr val="tx1">
+                    <a:tint val="75000"/>
+                  </a:schemeClr>
+                </a:solidFill>
+                <a:latin typeface="+mn-lt"/>
+                <a:ea typeface="+mn-ea"/>
+                <a:cs typeface="+mn-cs"/>
+              </a:defRPr>
+            </a:lvl1pPr>
+            <a:lvl2pPr marL="457200" algn="l" defTabSz="914400" rtl="0" eaLnBrk="1" latinLnBrk="0" hangingPunct="1">
+              <a:defRPr sz="1800" kern="1200">
+                <a:solidFill>
+                  <a:schemeClr val="tx1"/>
+                </a:solidFill>
+                <a:latin typeface="+mn-lt"/>
+                <a:ea typeface="+mn-ea"/>
+                <a:cs typeface="+mn-cs"/>
+              </a:defRPr>
+            </a:lvl2pPr>
+            <a:lvl3pPr marL="914400" algn="l" defTabSz="914400" rtl="0" eaLnBrk="1" latinLnBrk="0" hangingPunct="1">
+              <a:defRPr sz="1800" kern="1200">
+                <a:solidFill>
+                  <a:schemeClr val="tx1"/>
+                </a:solidFill>
+                <a:latin typeface="+mn-lt"/>
+                <a:ea typeface="+mn-ea"/>
+                <a:cs typeface="+mn-cs"/>
+              </a:defRPr>
+            </a:lvl3pPr>
+            <a:lvl4pPr marL="1371600" algn="l" defTabSz="914400" rtl="0" eaLnBrk="1" latinLnBrk="0" hangingPunct="1">
+              <a:defRPr sz="1800" kern="1200">
+                <a:solidFill>
+                  <a:schemeClr val="tx1"/>
+                </a:solidFill>
+                <a:latin typeface="+mn-lt"/>
+                <a:ea typeface="+mn-ea"/>
+                <a:cs typeface="+mn-cs"/>
+              </a:defRPr>
+            </a:lvl4pPr>
+            <a:lvl5pPr marL="1828800" algn="l" defTabSz="914400" rtl="0" eaLnBrk="1" latinLnBrk="0" hangingPunct="1">
+              <a:defRPr sz="1800" kern="1200">
+                <a:solidFill>
+                  <a:schemeClr val="tx1"/>
+                </a:solidFill>
+                <a:latin typeface="+mn-lt"/>
+                <a:ea typeface="+mn-ea"/>
+                <a:cs typeface="+mn-cs"/>
+              </a:defRPr>
+            </a:lvl5pPr>
+            <a:lvl6pPr marL="2286000" algn="l" defTabSz="914400" rtl="0" eaLnBrk="1" latinLnBrk="0" hangingPunct="1">
+              <a:defRPr sz="1800" kern="1200">
+                <a:solidFill>
+                  <a:schemeClr val="tx1"/>
+                </a:solidFill>
+                <a:latin typeface="+mn-lt"/>
+                <a:ea typeface="+mn-ea"/>
+                <a:cs typeface="+mn-cs"/>
+              </a:defRPr>
+            </a:lvl6pPr>
+            <a:lvl7pPr marL="2743200" algn="l" defTabSz="914400" rtl="0" eaLnBrk="1" latinLnBrk="0" hangingPunct="1">
+              <a:defRPr sz="1800" kern="1200">
+                <a:solidFill>
+                  <a:schemeClr val="tx1"/>
+                </a:solidFill>
+                <a:latin typeface="+mn-lt"/>
+                <a:ea typeface="+mn-ea"/>
+                <a:cs typeface="+mn-cs"/>
+              </a:defRPr>
+            </a:lvl7pPr>
+            <a:lvl8pPr marL="3200400" algn="l" defTabSz="914400" rtl="0" eaLnBrk="1" latinLnBrk="0" hangingPunct="1">
+              <a:defRPr sz="1800" kern="1200">
+                <a:solidFill>
+                  <a:schemeClr val="tx1"/>
+                </a:solidFill>
+                <a:latin typeface="+mn-lt"/>
+                <a:ea typeface="+mn-ea"/>
+                <a:cs typeface="+mn-cs"/>
+              </a:defRPr>
+            </a:lvl8pPr>
+            <a:lvl9pPr marL="3657600" algn="l" defTabSz="914400" rtl="0" eaLnBrk="1" latinLnBrk="0" hangingPunct="1">
+              <a:defRPr sz="1800" kern="1200">
+                <a:solidFill>
+                  <a:schemeClr val="tx1"/>
+                </a:solidFill>
+                <a:latin typeface="+mn-lt"/>
+                <a:ea typeface="+mn-ea"/>
+                <a:cs typeface="+mn-cs"/>
+              </a:defRPr>
+            </a:lvl9pPr>
+          </a:lstStyle>
+          <a:p>
+            <a:fld id="{8C2E478F-E849-4A8C-AF1F-CBCC78A7CBFA}" type="slidenum">
+              <a:rPr lang="en-US" smtClean="0"/>
+              <a:pPr/>
+              <a:t>‹#›</a:t>
+            </a:fld>
+            <a:endParaRPr lang="en-US" dirty="0"/>
+          </a:p>
+        </p:txBody>
+      </p:sp>
+      <p:sp>
+        <p:nvSpPr>
+          <p:cNvPr id="2" name="Title 1">
+            <a:extLst>
+              <a:ext uri="{FF2B5EF4-FFF2-40B4-BE49-F238E27FC236}">
+                <a16:creationId xmlns:a16="http://schemas.microsoft.com/office/drawing/2014/main" id="{3CB0E4A3-5566-43FE-A59F-2C4F4FE7F32A}"/>
+              </a:ext>
+            </a:extLst>
+          </p:cNvPr>
+          <p:cNvSpPr>
+            <a:spLocks noGrp="1"/>
+          </p:cNvSpPr>
+          <p:nvPr>
+            <p:ph type="title"/>
+          </p:nvPr>
+        </p:nvSpPr>
+        <p:spPr>
+          <a:xfrm>
+            <a:off x="6095999" y="612037"/>
+            <a:ext cx="5897218" cy="884238"/>
+          </a:xfrm>
+        </p:spPr>
+        <p:txBody>
+          <a:bodyPr lIns="91440" rIns="91440" anchor="t">
+            <a:noAutofit/>
+          </a:bodyPr>
+          <a:lstStyle>
+            <a:lvl1pPr algn="l">
+              <a:lnSpc>
+                <a:spcPct val="150000"/>
+              </a:lnSpc>
+              <a:spcBef>
+                <a:spcPts val="1000"/>
+              </a:spcBef>
+              <a:defRPr sz="3200">
+                <a:solidFill>
+                  <a:schemeClr val="tx1"/>
+                </a:solidFill>
+              </a:defRPr>
+            </a:lvl1pPr>
+          </a:lstStyle>
+          <a:p>
+            <a:r>
+              <a:rPr lang="en-US"/>
+              <a:t>Click to edit Master title style</a:t>
+            </a:r>
+            <a:endParaRPr lang="en-US" dirty="0"/>
+          </a:p>
+        </p:txBody>
+      </p:sp>
+    </p:spTree>
+    <p:extLst>
+      <p:ext uri="{BB962C8B-B14F-4D97-AF65-F5344CB8AC3E}">
+        <p14:creationId xmlns:p14="http://schemas.microsoft.com/office/powerpoint/2010/main" val="398311257"/>
       </p:ext>
     </p:extLst>
   </p:cSld>
@@ -3174,6 +4141,7 @@
     <p:sldLayoutId id="2147483657" r:id="rId9"/>
     <p:sldLayoutId id="2147483658" r:id="rId10"/>
     <p:sldLayoutId id="2147483659" r:id="rId11"/>
+    <p:sldLayoutId id="2147483660" r:id="rId12"/>
   </p:sldLayoutIdLst>
   <p:txStyles>
     <p:titleStyle>
@@ -3538,6 +4506,364 @@
 </p:sld>
 </file>
 
+<file path=ppt/slides/slide10.xml><?xml version="1.0" encoding="utf-8"?>
+<p:sld xmlns:a="http://schemas.openxmlformats.org/drawingml/2006/main" xmlns:r="http://schemas.openxmlformats.org/officeDocument/2006/relationships" xmlns:p="http://schemas.openxmlformats.org/presentationml/2006/main">
+  <p:cSld>
+    <p:spTree>
+      <p:nvGrpSpPr>
+        <p:cNvPr id="1" name=""/>
+        <p:cNvGrpSpPr/>
+        <p:nvPr/>
+      </p:nvGrpSpPr>
+      <p:grpSpPr>
+        <a:xfrm>
+          <a:off x="0" y="0"/>
+          <a:ext cx="0" cy="0"/>
+          <a:chOff x="0" y="0"/>
+          <a:chExt cx="0" cy="0"/>
+        </a:xfrm>
+      </p:grpSpPr>
+      <p:sp>
+        <p:nvSpPr>
+          <p:cNvPr id="2" name="Title 1">
+            <a:extLst>
+              <a:ext uri="{FF2B5EF4-FFF2-40B4-BE49-F238E27FC236}">
+                <a16:creationId xmlns:a16="http://schemas.microsoft.com/office/drawing/2014/main" id="{404D0C37-A50C-6BAF-546C-3F80B7B717B9}"/>
+              </a:ext>
+            </a:extLst>
+          </p:cNvPr>
+          <p:cNvSpPr>
+            <a:spLocks noGrp="1"/>
+          </p:cNvSpPr>
+          <p:nvPr>
+            <p:ph type="title"/>
+          </p:nvPr>
+        </p:nvSpPr>
+        <p:spPr>
+          <a:xfrm>
+            <a:off x="838200" y="365125"/>
+            <a:ext cx="10515600" cy="799441"/>
+          </a:xfrm>
+        </p:spPr>
+        <p:txBody>
+          <a:bodyPr>
+            <a:normAutofit/>
+          </a:bodyPr>
+          <a:lstStyle/>
+          <a:p>
+            <a:r>
+              <a:rPr lang="en-AU" sz="3200" dirty="0">
+                <a:latin typeface="Montserrat Black" pitchFamily="2" charset="0"/>
+              </a:rPr>
+              <a:t>Writer’s Statement: Array Implementation</a:t>
+            </a:r>
+          </a:p>
+        </p:txBody>
+      </p:sp>
+    </p:spTree>
+    <p:extLst>
+      <p:ext uri="{BB962C8B-B14F-4D97-AF65-F5344CB8AC3E}">
+        <p14:creationId xmlns:p14="http://schemas.microsoft.com/office/powerpoint/2010/main" val="2429531270"/>
+      </p:ext>
+    </p:extLst>
+  </p:cSld>
+  <p:clrMapOvr>
+    <a:masterClrMapping/>
+  </p:clrMapOvr>
+</p:sld>
+</file>
+
+<file path=ppt/slides/slide11.xml><?xml version="1.0" encoding="utf-8"?>
+<p:sld xmlns:a="http://schemas.openxmlformats.org/drawingml/2006/main" xmlns:r="http://schemas.openxmlformats.org/officeDocument/2006/relationships" xmlns:p="http://schemas.openxmlformats.org/presentationml/2006/main">
+  <p:cSld>
+    <p:bg>
+      <p:bgPr>
+        <a:solidFill>
+          <a:schemeClr val="bg1"/>
+        </a:solidFill>
+        <a:effectLst/>
+      </p:bgPr>
+    </p:bg>
+    <p:spTree>
+      <p:nvGrpSpPr>
+        <p:cNvPr id="1" name=""/>
+        <p:cNvGrpSpPr/>
+        <p:nvPr/>
+      </p:nvGrpSpPr>
+      <p:grpSpPr>
+        <a:xfrm>
+          <a:off x="0" y="0"/>
+          <a:ext cx="0" cy="0"/>
+          <a:chOff x="0" y="0"/>
+          <a:chExt cx="0" cy="0"/>
+        </a:xfrm>
+      </p:grpSpPr>
+      <p:sp useBgFill="1">
+        <p:nvSpPr>
+          <p:cNvPr id="21" name="Rectangle 20">
+            <a:extLst>
+              <a:ext uri="{FF2B5EF4-FFF2-40B4-BE49-F238E27FC236}">
+                <a16:creationId xmlns:a16="http://schemas.microsoft.com/office/drawing/2014/main" id="{3B47FC9C-2ED3-4100-A4EF-E8CDFEE106C9}"/>
+              </a:ext>
+              <a:ext uri="{C183D7F6-B498-43B3-948B-1728B52AA6E4}">
+                <adec:decorative xmlns:adec="http://schemas.microsoft.com/office/drawing/2017/decorative" val="1"/>
+              </a:ext>
+            </a:extLst>
+          </p:cNvPr>
+          <p:cNvSpPr>
+            <a:spLocks noGrp="1" noRot="1" noChangeAspect="1" noMove="1" noResize="1" noEditPoints="1" noAdjustHandles="1" noChangeArrowheads="1" noChangeShapeType="1" noTextEdit="1"/>
+          </p:cNvSpPr>
+          <p:nvPr>
+            <p:extLst>
+              <p:ext uri="{386F3935-93C4-4BCD-93E2-E3B085C9AB24}">
+                <p16:designElem xmlns:p16="http://schemas.microsoft.com/office/powerpoint/2015/main" val="1"/>
+              </p:ext>
+            </p:extLst>
+          </p:nvPr>
+        </p:nvSpPr>
+        <p:spPr>
+          <a:xfrm>
+            <a:off x="-1" y="0"/>
+            <a:ext cx="12188952" cy="6858000"/>
+          </a:xfrm>
+          <a:prstGeom prst="rect">
+            <a:avLst/>
+          </a:prstGeom>
+          <a:ln>
+            <a:noFill/>
+          </a:ln>
+        </p:spPr>
+        <p:style>
+          <a:lnRef idx="2">
+            <a:schemeClr val="accent1">
+              <a:shade val="50000"/>
+            </a:schemeClr>
+          </a:lnRef>
+          <a:fillRef idx="1">
+            <a:schemeClr val="accent1"/>
+          </a:fillRef>
+          <a:effectRef idx="0">
+            <a:schemeClr val="accent1"/>
+          </a:effectRef>
+          <a:fontRef idx="minor">
+            <a:schemeClr val="lt1"/>
+          </a:fontRef>
+        </p:style>
+        <p:txBody>
+          <a:bodyPr rtlCol="0" anchor="ctr"/>
+          <a:lstStyle/>
+          <a:p>
+            <a:pPr algn="ctr"/>
+            <a:endParaRPr lang="en-US" dirty="0"/>
+          </a:p>
+        </p:txBody>
+      </p:sp>
+      <p:pic>
+        <p:nvPicPr>
+          <p:cNvPr id="4" name="Picture 3">
+            <a:extLst>
+              <a:ext uri="{FF2B5EF4-FFF2-40B4-BE49-F238E27FC236}">
+                <a16:creationId xmlns:a16="http://schemas.microsoft.com/office/drawing/2014/main" id="{077BF22C-610F-B75D-432A-C8FAD9A40D69}"/>
+              </a:ext>
+            </a:extLst>
+          </p:cNvPr>
+          <p:cNvPicPr>
+            <a:picLocks noChangeAspect="1"/>
+          </p:cNvPicPr>
+          <p:nvPr/>
+        </p:nvPicPr>
+        <p:blipFill>
+          <a:blip r:embed="rId2"/>
+          <a:stretch>
+            <a:fillRect/>
+          </a:stretch>
+        </p:blipFill>
+        <p:spPr>
+          <a:xfrm>
+            <a:off x="1582738" y="555625"/>
+            <a:ext cx="2897188" cy="1924050"/>
+          </a:xfrm>
+          <a:prstGeom prst="rect">
+            <a:avLst/>
+          </a:prstGeom>
+        </p:spPr>
+      </p:pic>
+      <p:pic>
+        <p:nvPicPr>
+          <p:cNvPr id="8" name="Picture 7">
+            <a:extLst>
+              <a:ext uri="{FF2B5EF4-FFF2-40B4-BE49-F238E27FC236}">
+                <a16:creationId xmlns:a16="http://schemas.microsoft.com/office/drawing/2014/main" id="{BDC5081C-38A4-37CE-3166-F1C0EB873655}"/>
+              </a:ext>
+            </a:extLst>
+          </p:cNvPr>
+          <p:cNvPicPr>
+            <a:picLocks noChangeAspect="1"/>
+          </p:cNvPicPr>
+          <p:nvPr/>
+        </p:nvPicPr>
+        <p:blipFill>
+          <a:blip r:embed="rId3"/>
+          <a:stretch>
+            <a:fillRect/>
+          </a:stretch>
+        </p:blipFill>
+        <p:spPr>
+          <a:xfrm>
+            <a:off x="1582738" y="2541588"/>
+            <a:ext cx="2897188" cy="2643188"/>
+          </a:xfrm>
+          <a:prstGeom prst="rect">
+            <a:avLst/>
+          </a:prstGeom>
+        </p:spPr>
+      </p:pic>
+      <p:pic>
+        <p:nvPicPr>
+          <p:cNvPr id="5" name="Picture 4">
+            <a:extLst>
+              <a:ext uri="{FF2B5EF4-FFF2-40B4-BE49-F238E27FC236}">
+                <a16:creationId xmlns:a16="http://schemas.microsoft.com/office/drawing/2014/main" id="{85607BAF-3B50-DEDE-0200-D82212AFC4A2}"/>
+              </a:ext>
+            </a:extLst>
+          </p:cNvPr>
+          <p:cNvPicPr>
+            <a:picLocks noChangeAspect="1"/>
+          </p:cNvPicPr>
+          <p:nvPr/>
+        </p:nvPicPr>
+        <p:blipFill>
+          <a:blip r:embed="rId4"/>
+          <a:stretch>
+            <a:fillRect/>
+          </a:stretch>
+        </p:blipFill>
+        <p:spPr>
+          <a:xfrm>
+            <a:off x="4541838" y="555625"/>
+            <a:ext cx="2593975" cy="2498725"/>
+          </a:xfrm>
+          <a:prstGeom prst="rect">
+            <a:avLst/>
+          </a:prstGeom>
+        </p:spPr>
+      </p:pic>
+      <p:pic>
+        <p:nvPicPr>
+          <p:cNvPr id="12" name="Picture 11">
+            <a:extLst>
+              <a:ext uri="{FF2B5EF4-FFF2-40B4-BE49-F238E27FC236}">
+                <a16:creationId xmlns:a16="http://schemas.microsoft.com/office/drawing/2014/main" id="{DD85F7E0-36CE-1353-6F89-BAAE64581A85}"/>
+              </a:ext>
+            </a:extLst>
+          </p:cNvPr>
+          <p:cNvPicPr>
+            <a:picLocks noChangeAspect="1"/>
+          </p:cNvPicPr>
+          <p:nvPr/>
+        </p:nvPicPr>
+        <p:blipFill>
+          <a:blip r:embed="rId5"/>
+          <a:stretch>
+            <a:fillRect/>
+          </a:stretch>
+        </p:blipFill>
+        <p:spPr>
+          <a:xfrm>
+            <a:off x="4541838" y="3114675"/>
+            <a:ext cx="2593975" cy="2070100"/>
+          </a:xfrm>
+          <a:prstGeom prst="rect">
+            <a:avLst/>
+          </a:prstGeom>
+        </p:spPr>
+      </p:pic>
+      <p:pic>
+        <p:nvPicPr>
+          <p:cNvPr id="6" name="Picture 5">
+            <a:extLst>
+              <a:ext uri="{FF2B5EF4-FFF2-40B4-BE49-F238E27FC236}">
+                <a16:creationId xmlns:a16="http://schemas.microsoft.com/office/drawing/2014/main" id="{1F200CD1-10EB-A748-0DA6-468851846430}"/>
+              </a:ext>
+            </a:extLst>
+          </p:cNvPr>
+          <p:cNvPicPr>
+            <a:picLocks noChangeAspect="1"/>
+          </p:cNvPicPr>
+          <p:nvPr/>
+        </p:nvPicPr>
+        <p:blipFill>
+          <a:blip r:embed="rId6"/>
+          <a:stretch>
+            <a:fillRect/>
+          </a:stretch>
+        </p:blipFill>
+        <p:spPr>
+          <a:xfrm>
+            <a:off x="7197725" y="555625"/>
+            <a:ext cx="3413125" cy="4629150"/>
+          </a:xfrm>
+          <a:prstGeom prst="rect">
+            <a:avLst/>
+          </a:prstGeom>
+        </p:spPr>
+      </p:pic>
+      <p:sp>
+        <p:nvSpPr>
+          <p:cNvPr id="2" name="Title 1">
+            <a:extLst>
+              <a:ext uri="{FF2B5EF4-FFF2-40B4-BE49-F238E27FC236}">
+                <a16:creationId xmlns:a16="http://schemas.microsoft.com/office/drawing/2014/main" id="{404D0C37-A50C-6BAF-546C-3F80B7B717B9}"/>
+              </a:ext>
+            </a:extLst>
+          </p:cNvPr>
+          <p:cNvSpPr>
+            <a:spLocks noGrp="1"/>
+          </p:cNvSpPr>
+          <p:nvPr>
+            <p:ph type="title"/>
+          </p:nvPr>
+        </p:nvSpPr>
+        <p:spPr>
+          <a:xfrm>
+            <a:off x="838200" y="5358141"/>
+            <a:ext cx="10515600" cy="942664"/>
+          </a:xfrm>
+        </p:spPr>
+        <p:txBody>
+          <a:bodyPr vert="horz" lIns="91440" tIns="45720" rIns="91440" bIns="45720" rtlCol="0" anchor="ctr">
+            <a:normAutofit/>
+          </a:bodyPr>
+          <a:lstStyle/>
+          <a:p>
+            <a:pPr algn="ctr"/>
+            <a:r>
+              <a:rPr lang="en-US" sz="5200" kern="1200">
+                <a:solidFill>
+                  <a:schemeClr val="tx1"/>
+                </a:solidFill>
+                <a:latin typeface="+mj-lt"/>
+                <a:ea typeface="+mj-ea"/>
+                <a:cs typeface="+mj-cs"/>
+              </a:rPr>
+              <a:t>Writer’s Statement: Classes</a:t>
+            </a:r>
+          </a:p>
+        </p:txBody>
+      </p:sp>
+    </p:spTree>
+    <p:extLst>
+      <p:ext uri="{BB962C8B-B14F-4D97-AF65-F5344CB8AC3E}">
+        <p14:creationId xmlns:p14="http://schemas.microsoft.com/office/powerpoint/2010/main" val="3957661129"/>
+      </p:ext>
+    </p:extLst>
+  </p:cSld>
+  <p:clrMapOvr>
+    <a:masterClrMapping/>
+  </p:clrMapOvr>
+</p:sld>
+</file>
+
 <file path=ppt/slides/slide2.xml><?xml version="1.0" encoding="utf-8"?>
 <p:sld xmlns:a="http://schemas.openxmlformats.org/drawingml/2006/main" xmlns:r="http://schemas.openxmlformats.org/officeDocument/2006/relationships" xmlns:p="http://schemas.openxmlformats.org/presentationml/2006/main">
   <p:cSld>
@@ -4399,8 +5725,8 @@
         </p:blipFill>
         <p:spPr>
           <a:xfrm>
-            <a:off x="999679" y="1406139"/>
-            <a:ext cx="4381500" cy="1447800"/>
+            <a:off x="999679" y="1697799"/>
+            <a:ext cx="5639558" cy="1863506"/>
           </a:xfrm>
           <a:prstGeom prst="rect">
             <a:avLst/>
@@ -4429,14 +5755,160 @@
         </p:blipFill>
         <p:spPr>
           <a:xfrm>
-            <a:off x="1018729" y="3095512"/>
-            <a:ext cx="4343400" cy="1447800"/>
+            <a:off x="1018729" y="3802877"/>
+            <a:ext cx="5620508" cy="1873503"/>
           </a:xfrm>
           <a:prstGeom prst="rect">
             <a:avLst/>
           </a:prstGeom>
         </p:spPr>
       </p:pic>
+      <p:sp>
+        <p:nvSpPr>
+          <p:cNvPr id="5" name="TextBox 4">
+            <a:extLst>
+              <a:ext uri="{FF2B5EF4-FFF2-40B4-BE49-F238E27FC236}">
+                <a16:creationId xmlns:a16="http://schemas.microsoft.com/office/drawing/2014/main" id="{6AD7DF19-92C4-D6D0-C663-55A6F724628D}"/>
+              </a:ext>
+            </a:extLst>
+          </p:cNvPr>
+          <p:cNvSpPr txBox="1"/>
+          <p:nvPr/>
+        </p:nvSpPr>
+        <p:spPr>
+          <a:xfrm>
+            <a:off x="7024778" y="1697799"/>
+            <a:ext cx="5052203" cy="4632166"/>
+          </a:xfrm>
+          <a:prstGeom prst="rect">
+            <a:avLst/>
+          </a:prstGeom>
+          <a:noFill/>
+        </p:spPr>
+        <p:txBody>
+          <a:bodyPr wrap="square" rtlCol="0">
+            <a:spAutoFit/>
+          </a:bodyPr>
+          <a:lstStyle/>
+          <a:p>
+            <a:pPr algn="just">
+              <a:lnSpc>
+                <a:spcPct val="107000"/>
+              </a:lnSpc>
+              <a:spcAft>
+                <a:spcPts val="800"/>
+              </a:spcAft>
+            </a:pPr>
+            <a:r>
+              <a:rPr lang="en-AU" sz="1200" kern="100" dirty="0">
+                <a:effectLst/>
+                <a:latin typeface="Segoe UI" panose="020B0502040204020203" pitchFamily="34" charset="0"/>
+                <a:ea typeface="Calibri" panose="020F0502020204030204" pitchFamily="34" charset="0"/>
+                <a:cs typeface="Segoe UI" panose="020B0502040204020203" pitchFamily="34" charset="0"/>
+              </a:rPr>
+              <a:t>When initialising the Chart System, it was necessary to dynamically program the </a:t>
+            </a:r>
+            <a:r>
+              <a:rPr lang="en-AU" sz="1200" kern="100" dirty="0" err="1">
+                <a:effectLst/>
+                <a:latin typeface="Segoe UI" panose="020B0502040204020203" pitchFamily="34" charset="0"/>
+                <a:ea typeface="Calibri" panose="020F0502020204030204" pitchFamily="34" charset="0"/>
+                <a:cs typeface="Segoe UI" panose="020B0502040204020203" pitchFamily="34" charset="0"/>
+              </a:rPr>
+              <a:t>LoadChart</a:t>
+            </a:r>
+            <a:r>
+              <a:rPr lang="en-AU" sz="1200" kern="100" dirty="0">
+                <a:effectLst/>
+                <a:latin typeface="Segoe UI" panose="020B0502040204020203" pitchFamily="34" charset="0"/>
+                <a:ea typeface="Calibri" panose="020F0502020204030204" pitchFamily="34" charset="0"/>
+                <a:cs typeface="Segoe UI" panose="020B0502040204020203" pitchFamily="34" charset="0"/>
+              </a:rPr>
+              <a:t> event so that each form would be able to call the event to create their charts. Within the set of code, the </a:t>
+            </a:r>
+            <a:r>
+              <a:rPr lang="en-AU" sz="1200" kern="100" dirty="0" err="1">
+                <a:effectLst/>
+                <a:latin typeface="Segoe UI" panose="020B0502040204020203" pitchFamily="34" charset="0"/>
+                <a:ea typeface="Calibri" panose="020F0502020204030204" pitchFamily="34" charset="0"/>
+                <a:cs typeface="Segoe UI" panose="020B0502040204020203" pitchFamily="34" charset="0"/>
+              </a:rPr>
+              <a:t>LoadChart</a:t>
+            </a:r>
+            <a:r>
+              <a:rPr lang="en-AU" sz="1200" kern="100" dirty="0">
+                <a:effectLst/>
+                <a:latin typeface="Segoe UI" panose="020B0502040204020203" pitchFamily="34" charset="0"/>
+                <a:ea typeface="Calibri" panose="020F0502020204030204" pitchFamily="34" charset="0"/>
+                <a:cs typeface="Segoe UI" panose="020B0502040204020203" pitchFamily="34" charset="0"/>
+              </a:rPr>
+              <a:t> event creates a series for each of the categories, then adds the 2D array’s data to the chart’s points. Meanwhile, within the Unit form, the 2D array’s size is set by the amount of X and Y filters the user selects. In this chart the X coordinates correspond to the Unit Number, and the Y coordinates correspond to the Licence Type.</a:t>
+            </a:r>
+          </a:p>
+          <a:p>
+            <a:pPr algn="just">
+              <a:lnSpc>
+                <a:spcPct val="107000"/>
+              </a:lnSpc>
+              <a:spcAft>
+                <a:spcPts val="800"/>
+              </a:spcAft>
+            </a:pPr>
+            <a:r>
+              <a:rPr lang="en-AU" sz="1200" kern="100" dirty="0">
+                <a:effectLst/>
+                <a:latin typeface="Segoe UI" panose="020B0502040204020203" pitchFamily="34" charset="0"/>
+                <a:ea typeface="Calibri" panose="020F0502020204030204" pitchFamily="34" charset="0"/>
+                <a:cs typeface="Segoe UI" panose="020B0502040204020203" pitchFamily="34" charset="0"/>
+              </a:rPr>
+              <a:t>As I initially planned to allow for the user to dynamically select their X and Y coordinates from all the filters, I implemented a </a:t>
+            </a:r>
+            <a:r>
+              <a:rPr lang="en-AU" sz="1200" kern="100" dirty="0" err="1">
+                <a:effectLst/>
+                <a:latin typeface="Segoe UI" panose="020B0502040204020203" pitchFamily="34" charset="0"/>
+                <a:ea typeface="Calibri" panose="020F0502020204030204" pitchFamily="34" charset="0"/>
+                <a:cs typeface="Segoe UI" panose="020B0502040204020203" pitchFamily="34" charset="0"/>
+              </a:rPr>
+              <a:t>PropertyInfo</a:t>
+            </a:r>
+            <a:r>
+              <a:rPr lang="en-AU" sz="1200" kern="100" dirty="0">
+                <a:effectLst/>
+                <a:latin typeface="Segoe UI" panose="020B0502040204020203" pitchFamily="34" charset="0"/>
+                <a:ea typeface="Calibri" panose="020F0502020204030204" pitchFamily="34" charset="0"/>
+                <a:cs typeface="Segoe UI" panose="020B0502040204020203" pitchFamily="34" charset="0"/>
+              </a:rPr>
+              <a:t> method to utilise strings in order to call objects located in the </a:t>
+            </a:r>
+            <a:r>
+              <a:rPr lang="en-AU" sz="1200" kern="100" dirty="0" err="1">
+                <a:effectLst/>
+                <a:latin typeface="Segoe UI" panose="020B0502040204020203" pitchFamily="34" charset="0"/>
+                <a:ea typeface="Calibri" panose="020F0502020204030204" pitchFamily="34" charset="0"/>
+                <a:cs typeface="Segoe UI" panose="020B0502040204020203" pitchFamily="34" charset="0"/>
+              </a:rPr>
+              <a:t>UnitClass</a:t>
+            </a:r>
+            <a:r>
+              <a:rPr lang="en-AU" sz="1200" kern="100" dirty="0">
+                <a:effectLst/>
+                <a:latin typeface="Segoe UI" panose="020B0502040204020203" pitchFamily="34" charset="0"/>
+                <a:ea typeface="Calibri" panose="020F0502020204030204" pitchFamily="34" charset="0"/>
+                <a:cs typeface="Segoe UI" panose="020B0502040204020203" pitchFamily="34" charset="0"/>
+              </a:rPr>
+              <a:t>. This is effective as it allows any of the possible X or Y coordinates to be programmed within just a couple lines of code, rather than utilising several if statements. As the X coordinates were linked to the series, I used the Series List to check if the crash met the filters set by checking for the index of the property, which is now set to the Unit Number property. In turn, this means that the Y coordinates were linked to the data being collected, using a similar method to X. It was then checked if either the X or Y lists didn’t contain the object property, and if they both contained the correct property values, then the X and Y coordinates were to be added to the 2D array.</a:t>
+            </a:r>
+          </a:p>
+          <a:p>
+            <a:pPr algn="just"/>
+            <a:endParaRPr lang="en-AU" sz="1200" dirty="0">
+              <a:latin typeface="Segoe UI" panose="020B0502040204020203" pitchFamily="34" charset="0"/>
+              <a:cs typeface="Segoe UI" panose="020B0502040204020203" pitchFamily="34" charset="0"/>
+            </a:endParaRPr>
+          </a:p>
+        </p:txBody>
+      </p:sp>
     </p:spTree>
     <p:extLst>
       <p:ext uri="{BB962C8B-B14F-4D97-AF65-F5344CB8AC3E}">
@@ -4451,6 +5923,1471 @@
 </file>
 
 <file path=ppt/slides/slide7.xml><?xml version="1.0" encoding="utf-8"?>
+<p:sld xmlns:a="http://schemas.openxmlformats.org/drawingml/2006/main" xmlns:r="http://schemas.openxmlformats.org/officeDocument/2006/relationships" xmlns:p="http://schemas.openxmlformats.org/presentationml/2006/main">
+  <p:cSld>
+    <p:bg>
+      <p:bgPr>
+        <a:solidFill>
+          <a:schemeClr val="bg1"/>
+        </a:solidFill>
+        <a:effectLst/>
+      </p:bgPr>
+    </p:bg>
+    <p:spTree>
+      <p:nvGrpSpPr>
+        <p:cNvPr id="1" name=""/>
+        <p:cNvGrpSpPr/>
+        <p:nvPr/>
+      </p:nvGrpSpPr>
+      <p:grpSpPr>
+        <a:xfrm>
+          <a:off x="0" y="0"/>
+          <a:ext cx="0" cy="0"/>
+          <a:chOff x="0" y="0"/>
+          <a:chExt cx="0" cy="0"/>
+        </a:xfrm>
+      </p:grpSpPr>
+      <p:sp useBgFill="1">
+        <p:nvSpPr>
+          <p:cNvPr id="14" name="Rectangle 13">
+            <a:extLst>
+              <a:ext uri="{FF2B5EF4-FFF2-40B4-BE49-F238E27FC236}">
+                <a16:creationId xmlns:a16="http://schemas.microsoft.com/office/drawing/2014/main" id="{AAAE94E3-A7DB-4868-B1E3-E49703488BBC}"/>
+              </a:ext>
+              <a:ext uri="{C183D7F6-B498-43B3-948B-1728B52AA6E4}">
+                <adec:decorative xmlns:adec="http://schemas.microsoft.com/office/drawing/2017/decorative" val="1"/>
+              </a:ext>
+            </a:extLst>
+          </p:cNvPr>
+          <p:cNvSpPr>
+            <a:spLocks noGrp="1" noRot="1" noChangeAspect="1" noMove="1" noResize="1" noEditPoints="1" noAdjustHandles="1" noChangeArrowheads="1" noChangeShapeType="1" noTextEdit="1"/>
+          </p:cNvSpPr>
+          <p:nvPr>
+            <p:extLst>
+              <p:ext uri="{386F3935-93C4-4BCD-93E2-E3B085C9AB24}">
+                <p16:designElem xmlns:p16="http://schemas.microsoft.com/office/powerpoint/2015/main" val="1"/>
+              </p:ext>
+            </p:extLst>
+          </p:nvPr>
+        </p:nvSpPr>
+        <p:spPr>
+          <a:xfrm>
+            <a:off x="0" y="0"/>
+            <a:ext cx="12191999" cy="6857365"/>
+          </a:xfrm>
+          <a:prstGeom prst="rect">
+            <a:avLst/>
+          </a:prstGeom>
+          <a:ln>
+            <a:noFill/>
+          </a:ln>
+        </p:spPr>
+        <p:style>
+          <a:lnRef idx="2">
+            <a:schemeClr val="accent1">
+              <a:shade val="50000"/>
+            </a:schemeClr>
+          </a:lnRef>
+          <a:fillRef idx="1">
+            <a:schemeClr val="accent1"/>
+          </a:fillRef>
+          <a:effectRef idx="0">
+            <a:schemeClr val="accent1"/>
+          </a:effectRef>
+          <a:fontRef idx="minor">
+            <a:schemeClr val="lt1"/>
+          </a:fontRef>
+        </p:style>
+        <p:txBody>
+          <a:bodyPr rtlCol="0" anchor="ctr"/>
+          <a:lstStyle/>
+          <a:p>
+            <a:pPr algn="ctr"/>
+            <a:endParaRPr lang="en-US"/>
+          </a:p>
+        </p:txBody>
+      </p:sp>
+      <p:sp>
+        <p:nvSpPr>
+          <p:cNvPr id="8" name="Title 7">
+            <a:extLst>
+              <a:ext uri="{FF2B5EF4-FFF2-40B4-BE49-F238E27FC236}">
+                <a16:creationId xmlns:a16="http://schemas.microsoft.com/office/drawing/2014/main" id="{103950CF-5BF2-4FB0-A36C-48C194F39E12}"/>
+              </a:ext>
+            </a:extLst>
+          </p:cNvPr>
+          <p:cNvSpPr>
+            <a:spLocks noGrp="1"/>
+          </p:cNvSpPr>
+          <p:nvPr>
+            <p:ph type="title"/>
+          </p:nvPr>
+        </p:nvSpPr>
+        <p:spPr>
+          <a:xfrm>
+            <a:off x="589560" y="856180"/>
+            <a:ext cx="5279408" cy="1128068"/>
+          </a:xfrm>
+        </p:spPr>
+        <p:txBody>
+          <a:bodyPr vert="horz" lIns="91440" tIns="45720" rIns="91440" bIns="45720" rtlCol="0" anchor="ctr">
+            <a:normAutofit/>
+          </a:bodyPr>
+          <a:lstStyle/>
+          <a:p>
+            <a:pPr>
+              <a:lnSpc>
+                <a:spcPct val="90000"/>
+              </a:lnSpc>
+              <a:spcBef>
+                <a:spcPct val="0"/>
+              </a:spcBef>
+            </a:pPr>
+            <a:r>
+              <a:rPr lang="en-US" sz="3700" b="1" dirty="0"/>
+              <a:t>Iteration 1: Board Representation (0x88)</a:t>
+            </a:r>
+          </a:p>
+        </p:txBody>
+      </p:sp>
+      <p:grpSp>
+        <p:nvGrpSpPr>
+          <p:cNvPr id="16" name="Group 15">
+            <a:extLst>
+              <a:ext uri="{FF2B5EF4-FFF2-40B4-BE49-F238E27FC236}">
+                <a16:creationId xmlns:a16="http://schemas.microsoft.com/office/drawing/2014/main" id="{1DE889C7-FAD6-4397-98E2-05D503484459}"/>
+              </a:ext>
+              <a:ext uri="{C183D7F6-B498-43B3-948B-1728B52AA6E4}">
+                <adec:decorative xmlns:adec="http://schemas.microsoft.com/office/drawing/2017/decorative" val="1"/>
+              </a:ext>
+            </a:extLst>
+          </p:cNvPr>
+          <p:cNvGrpSpPr>
+            <a:grpSpLocks noGrp="1" noUngrp="1" noRot="1" noChangeAspect="1" noMove="1" noResize="1"/>
+          </p:cNvGrpSpPr>
+          <p:nvPr>
+            <p:extLst>
+              <p:ext uri="{386F3935-93C4-4BCD-93E2-E3B085C9AB24}">
+                <p16:designElem xmlns:p16="http://schemas.microsoft.com/office/powerpoint/2015/main" val="1"/>
+              </p:ext>
+            </p:extLst>
+          </p:nvPr>
+        </p:nvGrpSpPr>
+        <p:grpSpPr>
+          <a:xfrm>
+            <a:off x="0" y="1083484"/>
+            <a:ext cx="355196" cy="673460"/>
+            <a:chOff x="0" y="823811"/>
+            <a:chExt cx="355196" cy="673460"/>
+          </a:xfrm>
+        </p:grpSpPr>
+        <p:sp>
+          <p:nvSpPr>
+            <p:cNvPr id="17" name="Rectangle 16">
+              <a:extLst>
+                <a:ext uri="{FF2B5EF4-FFF2-40B4-BE49-F238E27FC236}">
+                  <a16:creationId xmlns:a16="http://schemas.microsoft.com/office/drawing/2014/main" id="{F399A70F-F8CD-4992-9EF5-6CF15472E73F}"/>
+                </a:ext>
+                <a:ext uri="{C183D7F6-B498-43B3-948B-1728B52AA6E4}">
+                  <adec:decorative xmlns:adec="http://schemas.microsoft.com/office/drawing/2017/decorative" val="1"/>
+                </a:ext>
+              </a:extLst>
+            </p:cNvPr>
+            <p:cNvSpPr/>
+            <p:nvPr>
+              <p:extLst>
+                <p:ext uri="{386F3935-93C4-4BCD-93E2-E3B085C9AB24}">
+                  <p16:designElem xmlns:p16="http://schemas.microsoft.com/office/powerpoint/2015/main" val="1"/>
+                </p:ext>
+              </p:extLst>
+            </p:nvPr>
+          </p:nvSpPr>
+          <p:spPr>
+            <a:xfrm>
+              <a:off x="0" y="823811"/>
+              <a:ext cx="87363" cy="673460"/>
+            </a:xfrm>
+            <a:prstGeom prst="rect">
+              <a:avLst/>
+            </a:prstGeom>
+            <a:solidFill>
+              <a:schemeClr val="accent4"/>
+            </a:solidFill>
+            <a:ln>
+              <a:noFill/>
+            </a:ln>
+          </p:spPr>
+          <p:style>
+            <a:lnRef idx="2">
+              <a:schemeClr val="accent1">
+                <a:shade val="50000"/>
+              </a:schemeClr>
+            </a:lnRef>
+            <a:fillRef idx="1">
+              <a:schemeClr val="accent1"/>
+            </a:fillRef>
+            <a:effectRef idx="0">
+              <a:schemeClr val="accent1"/>
+            </a:effectRef>
+            <a:fontRef idx="minor">
+              <a:schemeClr val="lt1"/>
+            </a:fontRef>
+          </p:style>
+          <p:txBody>
+            <a:bodyPr rtlCol="0" anchor="ctr"/>
+            <a:lstStyle/>
+            <a:p>
+              <a:pPr algn="ctr"/>
+              <a:endParaRPr lang="en-US"/>
+            </a:p>
+          </p:txBody>
+        </p:sp>
+        <p:sp>
+          <p:nvSpPr>
+            <p:cNvPr id="18" name="Rectangle 17">
+              <a:extLst>
+                <a:ext uri="{FF2B5EF4-FFF2-40B4-BE49-F238E27FC236}">
+                  <a16:creationId xmlns:a16="http://schemas.microsoft.com/office/drawing/2014/main" id="{48F4FEDC-6D80-458C-A665-075D9B9500FD}"/>
+                </a:ext>
+                <a:ext uri="{C183D7F6-B498-43B3-948B-1728B52AA6E4}">
+                  <adec:decorative xmlns:adec="http://schemas.microsoft.com/office/drawing/2017/decorative" val="1"/>
+                </a:ext>
+              </a:extLst>
+            </p:cNvPr>
+            <p:cNvSpPr/>
+            <p:nvPr>
+              <p:extLst>
+                <p:ext uri="{386F3935-93C4-4BCD-93E2-E3B085C9AB24}">
+                  <p16:designElem xmlns:p16="http://schemas.microsoft.com/office/powerpoint/2015/main" val="1"/>
+                </p:ext>
+              </p:extLst>
+            </p:nvPr>
+          </p:nvSpPr>
+          <p:spPr>
+            <a:xfrm>
+              <a:off x="159341" y="823811"/>
+              <a:ext cx="195855" cy="673460"/>
+            </a:xfrm>
+            <a:prstGeom prst="rect">
+              <a:avLst/>
+            </a:prstGeom>
+            <a:solidFill>
+              <a:schemeClr val="accent4"/>
+            </a:solidFill>
+            <a:ln>
+              <a:noFill/>
+            </a:ln>
+          </p:spPr>
+          <p:style>
+            <a:lnRef idx="2">
+              <a:schemeClr val="accent1">
+                <a:shade val="50000"/>
+              </a:schemeClr>
+            </a:lnRef>
+            <a:fillRef idx="1">
+              <a:schemeClr val="accent1"/>
+            </a:fillRef>
+            <a:effectRef idx="0">
+              <a:schemeClr val="accent1"/>
+            </a:effectRef>
+            <a:fontRef idx="minor">
+              <a:schemeClr val="lt1"/>
+            </a:fontRef>
+          </p:style>
+          <p:txBody>
+            <a:bodyPr rtlCol="0" anchor="ctr"/>
+            <a:lstStyle/>
+            <a:p>
+              <a:pPr algn="ctr"/>
+              <a:endParaRPr lang="en-US"/>
+            </a:p>
+          </p:txBody>
+        </p:sp>
+      </p:grpSp>
+      <p:sp>
+        <p:nvSpPr>
+          <p:cNvPr id="20" name="Rectangle 19">
+            <a:extLst>
+              <a:ext uri="{FF2B5EF4-FFF2-40B4-BE49-F238E27FC236}">
+                <a16:creationId xmlns:a16="http://schemas.microsoft.com/office/drawing/2014/main" id="{3873B707-463F-40B0-8227-E8CC6C67EB25}"/>
+              </a:ext>
+              <a:ext uri="{C183D7F6-B498-43B3-948B-1728B52AA6E4}">
+                <adec:decorative xmlns:adec="http://schemas.microsoft.com/office/drawing/2017/decorative" val="1"/>
+              </a:ext>
+            </a:extLst>
+          </p:cNvPr>
+          <p:cNvSpPr>
+            <a:spLocks noGrp="1" noRot="1" noChangeAspect="1" noMove="1" noResize="1" noEditPoints="1" noAdjustHandles="1" noChangeArrowheads="1" noChangeShapeType="1" noTextEdit="1"/>
+          </p:cNvSpPr>
+          <p:nvPr>
+            <p:extLst>
+              <p:ext uri="{386F3935-93C4-4BCD-93E2-E3B085C9AB24}">
+                <p16:designElem xmlns:p16="http://schemas.microsoft.com/office/powerpoint/2015/main" val="1"/>
+              </p:ext>
+            </p:extLst>
+          </p:nvPr>
+        </p:nvSpPr>
+        <p:spPr>
+          <a:xfrm flipH="1">
+            <a:off x="665085" y="2123821"/>
+            <a:ext cx="4975066" cy="27432"/>
+          </a:xfrm>
+          <a:prstGeom prst="rect">
+            <a:avLst/>
+          </a:prstGeom>
+          <a:solidFill>
+            <a:schemeClr val="accent4"/>
+          </a:solidFill>
+          <a:ln>
+            <a:noFill/>
+          </a:ln>
+        </p:spPr>
+        <p:style>
+          <a:lnRef idx="2">
+            <a:schemeClr val="accent1">
+              <a:shade val="50000"/>
+            </a:schemeClr>
+          </a:lnRef>
+          <a:fillRef idx="1">
+            <a:schemeClr val="accent1"/>
+          </a:fillRef>
+          <a:effectRef idx="0">
+            <a:schemeClr val="accent1"/>
+          </a:effectRef>
+          <a:fontRef idx="minor">
+            <a:schemeClr val="lt1"/>
+          </a:fontRef>
+        </p:style>
+        <p:txBody>
+          <a:bodyPr rtlCol="0" anchor="ctr"/>
+          <a:lstStyle/>
+          <a:p>
+            <a:pPr algn="ctr"/>
+            <a:endParaRPr lang="en-US"/>
+          </a:p>
+        </p:txBody>
+      </p:sp>
+      <p:sp>
+        <p:nvSpPr>
+          <p:cNvPr id="9" name="Content Placeholder 8">
+            <a:extLst>
+              <a:ext uri="{FF2B5EF4-FFF2-40B4-BE49-F238E27FC236}">
+                <a16:creationId xmlns:a16="http://schemas.microsoft.com/office/drawing/2014/main" id="{256319DF-036A-473B-95D3-C5F6FF849FD4}"/>
+              </a:ext>
+            </a:extLst>
+          </p:cNvPr>
+          <p:cNvSpPr>
+            <a:spLocks noGrp="1"/>
+          </p:cNvSpPr>
+          <p:nvPr>
+            <p:ph idx="1"/>
+          </p:nvPr>
+        </p:nvSpPr>
+        <p:spPr>
+          <a:xfrm>
+            <a:off x="590719" y="2330505"/>
+            <a:ext cx="5278066" cy="3979585"/>
+          </a:xfrm>
+        </p:spPr>
+        <p:txBody>
+          <a:bodyPr vert="horz" lIns="91440" tIns="45720" rIns="91440" bIns="45720" rtlCol="0" anchor="ctr">
+            <a:normAutofit/>
+          </a:bodyPr>
+          <a:lstStyle/>
+          <a:p>
+            <a:pPr marL="0" indent="0">
+              <a:buNone/>
+            </a:pPr>
+            <a:r>
+              <a:rPr lang="en-US" sz="1400" dirty="0"/>
+              <a:t>In the background of this application, the representation of the board is important as it is the array of the board behind the visible board, which is </a:t>
+            </a:r>
+            <a:r>
+              <a:rPr lang="en-US" sz="1400" dirty="0" err="1"/>
+              <a:t>utilised</a:t>
+            </a:r>
+            <a:r>
+              <a:rPr lang="en-US" sz="1400" dirty="0"/>
+              <a:t> in move generation and move checking to determine if a move is legal or not. When programming the board representation, there are two main ways that it can be addressed. This can be through implementing Bitboards, which is a set of 64 elements, which are all squares of the board, with one bit associated with each square. However, I did not find this as useful to me as using the square centric method of 0x88 to illustrate the board. 0x88 represents the board in 128-byte array, with only half of the array representing valid squares on the board. Within the initial board representation, it can be seen that half of the array elements consist of a blank entry, with the other half containing x’s. Another example of this in implementation is in the starting position array, which illustrates where each piece starts on the board in a standard game. It can be seen that as usual, the lower and upper two ranks contain the pieces are regularly seen, however being surrounded by both open strings and x’s.</a:t>
+            </a:r>
+          </a:p>
+        </p:txBody>
+      </p:sp>
+      <p:sp>
+        <p:nvSpPr>
+          <p:cNvPr id="22" name="Rectangle 21">
+            <a:extLst>
+              <a:ext uri="{FF2B5EF4-FFF2-40B4-BE49-F238E27FC236}">
+                <a16:creationId xmlns:a16="http://schemas.microsoft.com/office/drawing/2014/main" id="{C13237C8-E62C-4F0D-A318-BD6FB6C2D138}"/>
+              </a:ext>
+              <a:ext uri="{C183D7F6-B498-43B3-948B-1728B52AA6E4}">
+                <adec:decorative xmlns:adec="http://schemas.microsoft.com/office/drawing/2017/decorative" val="1"/>
+              </a:ext>
+            </a:extLst>
+          </p:cNvPr>
+          <p:cNvSpPr>
+            <a:spLocks noGrp="1" noRot="1" noChangeAspect="1" noMove="1" noResize="1" noEditPoints="1" noAdjustHandles="1" noChangeArrowheads="1" noChangeShapeType="1" noTextEdit="1"/>
+          </p:cNvSpPr>
+          <p:nvPr>
+            <p:extLst>
+              <p:ext uri="{386F3935-93C4-4BCD-93E2-E3B085C9AB24}">
+                <p16:designElem xmlns:p16="http://schemas.microsoft.com/office/powerpoint/2015/main" val="1"/>
+              </p:ext>
+            </p:extLst>
+          </p:nvPr>
+        </p:nvSpPr>
+        <p:spPr>
+          <a:xfrm flipH="1">
+            <a:off x="10697670" y="0"/>
+            <a:ext cx="1494330" cy="6858000"/>
+          </a:xfrm>
+          <a:prstGeom prst="rect">
+            <a:avLst/>
+          </a:prstGeom>
+          <a:solidFill>
+            <a:schemeClr val="accent4"/>
+          </a:solidFill>
+          <a:ln>
+            <a:noFill/>
+          </a:ln>
+        </p:spPr>
+        <p:style>
+          <a:lnRef idx="2">
+            <a:schemeClr val="accent1">
+              <a:shade val="50000"/>
+            </a:schemeClr>
+          </a:lnRef>
+          <a:fillRef idx="1">
+            <a:schemeClr val="accent1"/>
+          </a:fillRef>
+          <a:effectRef idx="0">
+            <a:schemeClr val="accent1"/>
+          </a:effectRef>
+          <a:fontRef idx="minor">
+            <a:schemeClr val="lt1"/>
+          </a:fontRef>
+        </p:style>
+        <p:txBody>
+          <a:bodyPr rtlCol="0" anchor="ctr"/>
+          <a:lstStyle/>
+          <a:p>
+            <a:pPr algn="ctr"/>
+            <a:endParaRPr lang="en-US"/>
+          </a:p>
+        </p:txBody>
+      </p:sp>
+      <p:sp>
+        <p:nvSpPr>
+          <p:cNvPr id="24" name="Rectangle 23">
+            <a:extLst>
+              <a:ext uri="{FF2B5EF4-FFF2-40B4-BE49-F238E27FC236}">
+                <a16:creationId xmlns:a16="http://schemas.microsoft.com/office/drawing/2014/main" id="{19C9EAEA-39D0-4B0E-A0EB-51E7B26740B1}"/>
+              </a:ext>
+              <a:ext uri="{C183D7F6-B498-43B3-948B-1728B52AA6E4}">
+                <adec:decorative xmlns:adec="http://schemas.microsoft.com/office/drawing/2017/decorative" val="1"/>
+              </a:ext>
+            </a:extLst>
+          </p:cNvPr>
+          <p:cNvSpPr>
+            <a:spLocks noGrp="1" noRot="1" noChangeAspect="1" noMove="1" noResize="1" noEditPoints="1" noAdjustHandles="1" noChangeArrowheads="1" noChangeShapeType="1" noTextEdit="1"/>
+          </p:cNvSpPr>
+          <p:nvPr>
+            <p:extLst>
+              <p:ext uri="{386F3935-93C4-4BCD-93E2-E3B085C9AB24}">
+                <p16:designElem xmlns:p16="http://schemas.microsoft.com/office/powerpoint/2015/main" val="1"/>
+              </p:ext>
+            </p:extLst>
+          </p:nvPr>
+        </p:nvSpPr>
+        <p:spPr>
+          <a:xfrm>
+            <a:off x="6849687" y="357447"/>
+            <a:ext cx="4845488" cy="2923587"/>
+          </a:xfrm>
+          <a:prstGeom prst="rect">
+            <a:avLst/>
+          </a:prstGeom>
+          <a:solidFill>
+            <a:schemeClr val="bg1"/>
+          </a:solidFill>
+          <a:ln>
+            <a:noFill/>
+          </a:ln>
+          <a:effectLst>
+            <a:outerShdw blurRad="139700" dist="127000" dir="5400000" algn="t" rotWithShape="0">
+              <a:prstClr val="black">
+                <a:alpha val="15000"/>
+              </a:prstClr>
+            </a:outerShdw>
+          </a:effectLst>
+        </p:spPr>
+        <p:style>
+          <a:lnRef idx="2">
+            <a:schemeClr val="accent1">
+              <a:shade val="50000"/>
+            </a:schemeClr>
+          </a:lnRef>
+          <a:fillRef idx="1">
+            <a:schemeClr val="accent1"/>
+          </a:fillRef>
+          <a:effectRef idx="0">
+            <a:schemeClr val="accent1"/>
+          </a:effectRef>
+          <a:fontRef idx="minor">
+            <a:schemeClr val="lt1"/>
+          </a:fontRef>
+        </p:style>
+        <p:txBody>
+          <a:bodyPr rtlCol="0" anchor="ctr"/>
+          <a:lstStyle/>
+          <a:p>
+            <a:pPr algn="ctr"/>
+            <a:endParaRPr lang="en-US"/>
+          </a:p>
+        </p:txBody>
+      </p:sp>
+      <p:pic>
+        <p:nvPicPr>
+          <p:cNvPr id="2" name="Picture 1" descr="A screen shot of a computer screen&#10;&#10;Description automatically generated">
+            <a:extLst>
+              <a:ext uri="{FF2B5EF4-FFF2-40B4-BE49-F238E27FC236}">
+                <a16:creationId xmlns:a16="http://schemas.microsoft.com/office/drawing/2014/main" id="{45FFCB7D-0A0B-F88D-38DF-502772D43C9F}"/>
+              </a:ext>
+            </a:extLst>
+          </p:cNvPr>
+          <p:cNvPicPr>
+            <a:picLocks noChangeAspect="1"/>
+          </p:cNvPicPr>
+          <p:nvPr/>
+        </p:nvPicPr>
+        <p:blipFill>
+          <a:blip r:embed="rId3"/>
+          <a:stretch>
+            <a:fillRect/>
+          </a:stretch>
+        </p:blipFill>
+        <p:spPr>
+          <a:xfrm>
+            <a:off x="7083423" y="1114738"/>
+            <a:ext cx="4397433" cy="1453064"/>
+          </a:xfrm>
+          <a:prstGeom prst="rect">
+            <a:avLst/>
+          </a:prstGeom>
+        </p:spPr>
+      </p:pic>
+      <p:sp>
+        <p:nvSpPr>
+          <p:cNvPr id="26" name="Rectangle 25">
+            <a:extLst>
+              <a:ext uri="{FF2B5EF4-FFF2-40B4-BE49-F238E27FC236}">
+                <a16:creationId xmlns:a16="http://schemas.microsoft.com/office/drawing/2014/main" id="{8CB5D2D7-DF65-4E86-BFBA-FFB9B5ACEB64}"/>
+              </a:ext>
+              <a:ext uri="{C183D7F6-B498-43B3-948B-1728B52AA6E4}">
+                <adec:decorative xmlns:adec="http://schemas.microsoft.com/office/drawing/2017/decorative" val="1"/>
+              </a:ext>
+            </a:extLst>
+          </p:cNvPr>
+          <p:cNvSpPr>
+            <a:spLocks noGrp="1" noRot="1" noChangeAspect="1" noMove="1" noResize="1" noEditPoints="1" noAdjustHandles="1" noChangeArrowheads="1" noChangeShapeType="1" noTextEdit="1"/>
+          </p:cNvSpPr>
+          <p:nvPr>
+            <p:extLst>
+              <p:ext uri="{386F3935-93C4-4BCD-93E2-E3B085C9AB24}">
+                <p16:designElem xmlns:p16="http://schemas.microsoft.com/office/powerpoint/2015/main" val="1"/>
+              </p:ext>
+            </p:extLst>
+          </p:nvPr>
+        </p:nvSpPr>
+        <p:spPr>
+          <a:xfrm>
+            <a:off x="6849687" y="3505479"/>
+            <a:ext cx="4845488" cy="2923587"/>
+          </a:xfrm>
+          <a:prstGeom prst="rect">
+            <a:avLst/>
+          </a:prstGeom>
+          <a:solidFill>
+            <a:schemeClr val="bg1"/>
+          </a:solidFill>
+          <a:ln>
+            <a:noFill/>
+          </a:ln>
+          <a:effectLst>
+            <a:outerShdw blurRad="139700" dist="127000" dir="5400000" algn="t" rotWithShape="0">
+              <a:prstClr val="black">
+                <a:alpha val="15000"/>
+              </a:prstClr>
+            </a:outerShdw>
+          </a:effectLst>
+        </p:spPr>
+        <p:style>
+          <a:lnRef idx="2">
+            <a:schemeClr val="accent1">
+              <a:shade val="50000"/>
+            </a:schemeClr>
+          </a:lnRef>
+          <a:fillRef idx="1">
+            <a:schemeClr val="accent1"/>
+          </a:fillRef>
+          <a:effectRef idx="0">
+            <a:schemeClr val="accent1"/>
+          </a:effectRef>
+          <a:fontRef idx="minor">
+            <a:schemeClr val="lt1"/>
+          </a:fontRef>
+        </p:style>
+        <p:txBody>
+          <a:bodyPr rtlCol="0" anchor="ctr"/>
+          <a:lstStyle/>
+          <a:p>
+            <a:pPr algn="ctr"/>
+            <a:endParaRPr lang="en-US"/>
+          </a:p>
+        </p:txBody>
+      </p:sp>
+      <p:pic>
+        <p:nvPicPr>
+          <p:cNvPr id="3" name="Picture 2">
+            <a:extLst>
+              <a:ext uri="{FF2B5EF4-FFF2-40B4-BE49-F238E27FC236}">
+                <a16:creationId xmlns:a16="http://schemas.microsoft.com/office/drawing/2014/main" id="{D85D46F5-A766-A0FE-E333-48BDD3E39429}"/>
+              </a:ext>
+            </a:extLst>
+          </p:cNvPr>
+          <p:cNvPicPr>
+            <a:picLocks noChangeAspect="1"/>
+          </p:cNvPicPr>
+          <p:nvPr/>
+        </p:nvPicPr>
+        <p:blipFill>
+          <a:blip r:embed="rId4"/>
+          <a:stretch>
+            <a:fillRect/>
+          </a:stretch>
+        </p:blipFill>
+        <p:spPr>
+          <a:xfrm>
+            <a:off x="7083423" y="4234677"/>
+            <a:ext cx="4395569" cy="1465189"/>
+          </a:xfrm>
+          <a:prstGeom prst="rect">
+            <a:avLst/>
+          </a:prstGeom>
+        </p:spPr>
+      </p:pic>
+      <p:sp>
+        <p:nvSpPr>
+          <p:cNvPr id="4" name="Slide Number Placeholder 3">
+            <a:extLst>
+              <a:ext uri="{FF2B5EF4-FFF2-40B4-BE49-F238E27FC236}">
+                <a16:creationId xmlns:a16="http://schemas.microsoft.com/office/drawing/2014/main" id="{A4BADA18-8F0E-4249-A144-6CB8259BA65B}"/>
+              </a:ext>
+            </a:extLst>
+          </p:cNvPr>
+          <p:cNvSpPr>
+            <a:spLocks noGrp="1"/>
+          </p:cNvSpPr>
+          <p:nvPr>
+            <p:ph type="sldNum" sz="quarter" idx="4"/>
+          </p:nvPr>
+        </p:nvSpPr>
+        <p:spPr>
+          <a:xfrm>
+            <a:off x="9385070" y="6492240"/>
+            <a:ext cx="1055716" cy="365125"/>
+          </a:xfrm>
+        </p:spPr>
+        <p:txBody>
+          <a:bodyPr vert="horz" lIns="91440" tIns="45720" rIns="91440" bIns="45720" rtlCol="0" anchor="ctr">
+            <a:normAutofit/>
+          </a:bodyPr>
+          <a:lstStyle/>
+          <a:p>
+            <a:pPr>
+              <a:spcAft>
+                <a:spcPts val="600"/>
+              </a:spcAft>
+            </a:pPr>
+            <a:fld id="{8C2E478F-E849-4A8C-AF1F-CBCC78A7CBFA}" type="slidenum">
+              <a:rPr lang="en-US" smtClean="0"/>
+              <a:pPr>
+                <a:spcAft>
+                  <a:spcPts val="600"/>
+                </a:spcAft>
+              </a:pPr>
+              <a:t>7</a:t>
+            </a:fld>
+            <a:endParaRPr lang="en-US"/>
+          </a:p>
+        </p:txBody>
+      </p:sp>
+    </p:spTree>
+    <p:extLst>
+      <p:ext uri="{BB962C8B-B14F-4D97-AF65-F5344CB8AC3E}">
+        <p14:creationId xmlns:p14="http://schemas.microsoft.com/office/powerpoint/2010/main" val="466080421"/>
+      </p:ext>
+    </p:extLst>
+  </p:cSld>
+  <p:clrMapOvr>
+    <a:masterClrMapping/>
+  </p:clrMapOvr>
+</p:sld>
+</file>
+
+<file path=ppt/slides/slide8.xml><?xml version="1.0" encoding="utf-8"?>
+<p:sld xmlns:a="http://schemas.openxmlformats.org/drawingml/2006/main" xmlns:r="http://schemas.openxmlformats.org/officeDocument/2006/relationships" xmlns:p="http://schemas.openxmlformats.org/presentationml/2006/main">
+  <p:cSld>
+    <p:bg>
+      <p:bgPr>
+        <a:solidFill>
+          <a:schemeClr val="bg1"/>
+        </a:solidFill>
+        <a:effectLst/>
+      </p:bgPr>
+    </p:bg>
+    <p:spTree>
+      <p:nvGrpSpPr>
+        <p:cNvPr id="1" name=""/>
+        <p:cNvGrpSpPr/>
+        <p:nvPr/>
+      </p:nvGrpSpPr>
+      <p:grpSpPr>
+        <a:xfrm>
+          <a:off x="0" y="0"/>
+          <a:ext cx="0" cy="0"/>
+          <a:chOff x="0" y="0"/>
+          <a:chExt cx="0" cy="0"/>
+        </a:xfrm>
+      </p:grpSpPr>
+      <p:sp useBgFill="1">
+        <p:nvSpPr>
+          <p:cNvPr id="31" name="Rectangle 30">
+            <a:extLst>
+              <a:ext uri="{FF2B5EF4-FFF2-40B4-BE49-F238E27FC236}">
+                <a16:creationId xmlns:a16="http://schemas.microsoft.com/office/drawing/2014/main" id="{AAAE94E3-A7DB-4868-B1E3-E49703488BBC}"/>
+              </a:ext>
+              <a:ext uri="{C183D7F6-B498-43B3-948B-1728B52AA6E4}">
+                <adec:decorative xmlns:adec="http://schemas.microsoft.com/office/drawing/2017/decorative" val="1"/>
+              </a:ext>
+            </a:extLst>
+          </p:cNvPr>
+          <p:cNvSpPr>
+            <a:spLocks noGrp="1" noRot="1" noChangeAspect="1" noMove="1" noResize="1" noEditPoints="1" noAdjustHandles="1" noChangeArrowheads="1" noChangeShapeType="1" noTextEdit="1"/>
+          </p:cNvSpPr>
+          <p:nvPr>
+            <p:extLst>
+              <p:ext uri="{386F3935-93C4-4BCD-93E2-E3B085C9AB24}">
+                <p16:designElem xmlns:p16="http://schemas.microsoft.com/office/powerpoint/2015/main" val="1"/>
+              </p:ext>
+            </p:extLst>
+          </p:nvPr>
+        </p:nvSpPr>
+        <p:spPr>
+          <a:xfrm>
+            <a:off x="0" y="0"/>
+            <a:ext cx="12191999" cy="6857365"/>
+          </a:xfrm>
+          <a:prstGeom prst="rect">
+            <a:avLst/>
+          </a:prstGeom>
+          <a:ln>
+            <a:noFill/>
+          </a:ln>
+        </p:spPr>
+        <p:style>
+          <a:lnRef idx="2">
+            <a:schemeClr val="accent1">
+              <a:shade val="50000"/>
+            </a:schemeClr>
+          </a:lnRef>
+          <a:fillRef idx="1">
+            <a:schemeClr val="accent1"/>
+          </a:fillRef>
+          <a:effectRef idx="0">
+            <a:schemeClr val="accent1"/>
+          </a:effectRef>
+          <a:fontRef idx="minor">
+            <a:schemeClr val="lt1"/>
+          </a:fontRef>
+        </p:style>
+        <p:txBody>
+          <a:bodyPr rtlCol="0" anchor="ctr"/>
+          <a:lstStyle/>
+          <a:p>
+            <a:pPr algn="ctr"/>
+            <a:endParaRPr lang="en-US"/>
+          </a:p>
+        </p:txBody>
+      </p:sp>
+      <p:sp>
+        <p:nvSpPr>
+          <p:cNvPr id="8" name="Title 7">
+            <a:extLst>
+              <a:ext uri="{FF2B5EF4-FFF2-40B4-BE49-F238E27FC236}">
+                <a16:creationId xmlns:a16="http://schemas.microsoft.com/office/drawing/2014/main" id="{103950CF-5BF2-4FB0-A36C-48C194F39E12}"/>
+              </a:ext>
+            </a:extLst>
+          </p:cNvPr>
+          <p:cNvSpPr>
+            <a:spLocks noGrp="1"/>
+          </p:cNvSpPr>
+          <p:nvPr>
+            <p:ph type="title"/>
+          </p:nvPr>
+        </p:nvSpPr>
+        <p:spPr>
+          <a:xfrm>
+            <a:off x="589560" y="856180"/>
+            <a:ext cx="5279408" cy="1128068"/>
+          </a:xfrm>
+        </p:spPr>
+        <p:txBody>
+          <a:bodyPr vert="horz" lIns="91440" tIns="45720" rIns="91440" bIns="45720" rtlCol="0" anchor="ctr">
+            <a:normAutofit/>
+          </a:bodyPr>
+          <a:lstStyle/>
+          <a:p>
+            <a:pPr>
+              <a:lnSpc>
+                <a:spcPct val="90000"/>
+              </a:lnSpc>
+              <a:spcBef>
+                <a:spcPct val="0"/>
+              </a:spcBef>
+            </a:pPr>
+            <a:r>
+              <a:rPr lang="en-US" sz="3700" b="1"/>
+              <a:t>Iteration 1: Move Generation</a:t>
+            </a:r>
+            <a:endParaRPr lang="en-US" sz="3700" b="1" dirty="0"/>
+          </a:p>
+        </p:txBody>
+      </p:sp>
+      <p:grpSp>
+        <p:nvGrpSpPr>
+          <p:cNvPr id="33" name="Group 32">
+            <a:extLst>
+              <a:ext uri="{FF2B5EF4-FFF2-40B4-BE49-F238E27FC236}">
+                <a16:creationId xmlns:a16="http://schemas.microsoft.com/office/drawing/2014/main" id="{1DE889C7-FAD6-4397-98E2-05D503484459}"/>
+              </a:ext>
+              <a:ext uri="{C183D7F6-B498-43B3-948B-1728B52AA6E4}">
+                <adec:decorative xmlns:adec="http://schemas.microsoft.com/office/drawing/2017/decorative" val="1"/>
+              </a:ext>
+            </a:extLst>
+          </p:cNvPr>
+          <p:cNvGrpSpPr>
+            <a:grpSpLocks noGrp="1" noUngrp="1" noRot="1" noChangeAspect="1" noMove="1" noResize="1"/>
+          </p:cNvGrpSpPr>
+          <p:nvPr>
+            <p:extLst>
+              <p:ext uri="{386F3935-93C4-4BCD-93E2-E3B085C9AB24}">
+                <p16:designElem xmlns:p16="http://schemas.microsoft.com/office/powerpoint/2015/main" val="1"/>
+              </p:ext>
+            </p:extLst>
+          </p:nvPr>
+        </p:nvGrpSpPr>
+        <p:grpSpPr>
+          <a:xfrm>
+            <a:off x="0" y="1083484"/>
+            <a:ext cx="355196" cy="673460"/>
+            <a:chOff x="0" y="823811"/>
+            <a:chExt cx="355196" cy="673460"/>
+          </a:xfrm>
+        </p:grpSpPr>
+        <p:sp>
+          <p:nvSpPr>
+            <p:cNvPr id="34" name="Rectangle 33">
+              <a:extLst>
+                <a:ext uri="{FF2B5EF4-FFF2-40B4-BE49-F238E27FC236}">
+                  <a16:creationId xmlns:a16="http://schemas.microsoft.com/office/drawing/2014/main" id="{F399A70F-F8CD-4992-9EF5-6CF15472E73F}"/>
+                </a:ext>
+                <a:ext uri="{C183D7F6-B498-43B3-948B-1728B52AA6E4}">
+                  <adec:decorative xmlns:adec="http://schemas.microsoft.com/office/drawing/2017/decorative" val="1"/>
+                </a:ext>
+              </a:extLst>
+            </p:cNvPr>
+            <p:cNvSpPr/>
+            <p:nvPr>
+              <p:extLst>
+                <p:ext uri="{386F3935-93C4-4BCD-93E2-E3B085C9AB24}">
+                  <p16:designElem xmlns:p16="http://schemas.microsoft.com/office/powerpoint/2015/main" val="1"/>
+                </p:ext>
+              </p:extLst>
+            </p:nvPr>
+          </p:nvSpPr>
+          <p:spPr>
+            <a:xfrm>
+              <a:off x="0" y="823811"/>
+              <a:ext cx="87363" cy="673460"/>
+            </a:xfrm>
+            <a:prstGeom prst="rect">
+              <a:avLst/>
+            </a:prstGeom>
+            <a:solidFill>
+              <a:schemeClr val="accent4"/>
+            </a:solidFill>
+            <a:ln>
+              <a:noFill/>
+            </a:ln>
+          </p:spPr>
+          <p:style>
+            <a:lnRef idx="2">
+              <a:schemeClr val="accent1">
+                <a:shade val="50000"/>
+              </a:schemeClr>
+            </a:lnRef>
+            <a:fillRef idx="1">
+              <a:schemeClr val="accent1"/>
+            </a:fillRef>
+            <a:effectRef idx="0">
+              <a:schemeClr val="accent1"/>
+            </a:effectRef>
+            <a:fontRef idx="minor">
+              <a:schemeClr val="lt1"/>
+            </a:fontRef>
+          </p:style>
+          <p:txBody>
+            <a:bodyPr rtlCol="0" anchor="ctr"/>
+            <a:lstStyle/>
+            <a:p>
+              <a:pPr algn="ctr"/>
+              <a:endParaRPr lang="en-US"/>
+            </a:p>
+          </p:txBody>
+        </p:sp>
+        <p:sp>
+          <p:nvSpPr>
+            <p:cNvPr id="35" name="Rectangle 34">
+              <a:extLst>
+                <a:ext uri="{FF2B5EF4-FFF2-40B4-BE49-F238E27FC236}">
+                  <a16:creationId xmlns:a16="http://schemas.microsoft.com/office/drawing/2014/main" id="{48F4FEDC-6D80-458C-A665-075D9B9500FD}"/>
+                </a:ext>
+                <a:ext uri="{C183D7F6-B498-43B3-948B-1728B52AA6E4}">
+                  <adec:decorative xmlns:adec="http://schemas.microsoft.com/office/drawing/2017/decorative" val="1"/>
+                </a:ext>
+              </a:extLst>
+            </p:cNvPr>
+            <p:cNvSpPr/>
+            <p:nvPr>
+              <p:extLst>
+                <p:ext uri="{386F3935-93C4-4BCD-93E2-E3B085C9AB24}">
+                  <p16:designElem xmlns:p16="http://schemas.microsoft.com/office/powerpoint/2015/main" val="1"/>
+                </p:ext>
+              </p:extLst>
+            </p:nvPr>
+          </p:nvSpPr>
+          <p:spPr>
+            <a:xfrm>
+              <a:off x="159341" y="823811"/>
+              <a:ext cx="195855" cy="673460"/>
+            </a:xfrm>
+            <a:prstGeom prst="rect">
+              <a:avLst/>
+            </a:prstGeom>
+            <a:solidFill>
+              <a:schemeClr val="accent4"/>
+            </a:solidFill>
+            <a:ln>
+              <a:noFill/>
+            </a:ln>
+          </p:spPr>
+          <p:style>
+            <a:lnRef idx="2">
+              <a:schemeClr val="accent1">
+                <a:shade val="50000"/>
+              </a:schemeClr>
+            </a:lnRef>
+            <a:fillRef idx="1">
+              <a:schemeClr val="accent1"/>
+            </a:fillRef>
+            <a:effectRef idx="0">
+              <a:schemeClr val="accent1"/>
+            </a:effectRef>
+            <a:fontRef idx="minor">
+              <a:schemeClr val="lt1"/>
+            </a:fontRef>
+          </p:style>
+          <p:txBody>
+            <a:bodyPr rtlCol="0" anchor="ctr"/>
+            <a:lstStyle/>
+            <a:p>
+              <a:pPr algn="ctr"/>
+              <a:endParaRPr lang="en-US"/>
+            </a:p>
+          </p:txBody>
+        </p:sp>
+      </p:grpSp>
+      <p:sp>
+        <p:nvSpPr>
+          <p:cNvPr id="37" name="Rectangle 36">
+            <a:extLst>
+              <a:ext uri="{FF2B5EF4-FFF2-40B4-BE49-F238E27FC236}">
+                <a16:creationId xmlns:a16="http://schemas.microsoft.com/office/drawing/2014/main" id="{3873B707-463F-40B0-8227-E8CC6C67EB25}"/>
+              </a:ext>
+              <a:ext uri="{C183D7F6-B498-43B3-948B-1728B52AA6E4}">
+                <adec:decorative xmlns:adec="http://schemas.microsoft.com/office/drawing/2017/decorative" val="1"/>
+              </a:ext>
+            </a:extLst>
+          </p:cNvPr>
+          <p:cNvSpPr>
+            <a:spLocks noGrp="1" noRot="1" noChangeAspect="1" noMove="1" noResize="1" noEditPoints="1" noAdjustHandles="1" noChangeArrowheads="1" noChangeShapeType="1" noTextEdit="1"/>
+          </p:cNvSpPr>
+          <p:nvPr>
+            <p:extLst>
+              <p:ext uri="{386F3935-93C4-4BCD-93E2-E3B085C9AB24}">
+                <p16:designElem xmlns:p16="http://schemas.microsoft.com/office/powerpoint/2015/main" val="1"/>
+              </p:ext>
+            </p:extLst>
+          </p:nvPr>
+        </p:nvSpPr>
+        <p:spPr>
+          <a:xfrm flipH="1">
+            <a:off x="665085" y="2123821"/>
+            <a:ext cx="4975066" cy="27432"/>
+          </a:xfrm>
+          <a:prstGeom prst="rect">
+            <a:avLst/>
+          </a:prstGeom>
+          <a:solidFill>
+            <a:schemeClr val="accent4"/>
+          </a:solidFill>
+          <a:ln>
+            <a:noFill/>
+          </a:ln>
+        </p:spPr>
+        <p:style>
+          <a:lnRef idx="2">
+            <a:schemeClr val="accent1">
+              <a:shade val="50000"/>
+            </a:schemeClr>
+          </a:lnRef>
+          <a:fillRef idx="1">
+            <a:schemeClr val="accent1"/>
+          </a:fillRef>
+          <a:effectRef idx="0">
+            <a:schemeClr val="accent1"/>
+          </a:effectRef>
+          <a:fontRef idx="minor">
+            <a:schemeClr val="lt1"/>
+          </a:fontRef>
+        </p:style>
+        <p:txBody>
+          <a:bodyPr rtlCol="0" anchor="ctr"/>
+          <a:lstStyle/>
+          <a:p>
+            <a:pPr algn="ctr"/>
+            <a:endParaRPr lang="en-US"/>
+          </a:p>
+        </p:txBody>
+      </p:sp>
+      <p:sp>
+        <p:nvSpPr>
+          <p:cNvPr id="9" name="Content Placeholder 8">
+            <a:extLst>
+              <a:ext uri="{FF2B5EF4-FFF2-40B4-BE49-F238E27FC236}">
+                <a16:creationId xmlns:a16="http://schemas.microsoft.com/office/drawing/2014/main" id="{256319DF-036A-473B-95D3-C5F6FF849FD4}"/>
+              </a:ext>
+            </a:extLst>
+          </p:cNvPr>
+          <p:cNvSpPr>
+            <a:spLocks noGrp="1"/>
+          </p:cNvSpPr>
+          <p:nvPr>
+            <p:ph idx="1"/>
+          </p:nvPr>
+        </p:nvSpPr>
+        <p:spPr>
+          <a:xfrm>
+            <a:off x="590719" y="2330505"/>
+            <a:ext cx="5278066" cy="2987507"/>
+          </a:xfrm>
+        </p:spPr>
+        <p:txBody>
+          <a:bodyPr vert="horz" lIns="91440" tIns="45720" rIns="91440" bIns="45720" rtlCol="0" anchor="ctr">
+            <a:normAutofit/>
+          </a:bodyPr>
+          <a:lstStyle/>
+          <a:p>
+            <a:pPr marL="0" indent="0">
+              <a:buNone/>
+            </a:pPr>
+            <a:r>
+              <a:rPr lang="en-US" sz="1400" dirty="0"/>
+              <a:t>Within this project, one of the most major parts of the program is move generation. This is because to make any move on the chess board, the legal moves must be checked. As this Daily Chess Puzzle application has been designed to only consist of “White to Move and Mate in x number of moves”, the pseudo-legal move generation method is used. This where the moves made by the piece isn’t checked if it leaves the king in check, as this would mean that more resources would be used to check for more possible lines, when it isn’t required to be present as the move will be returned as incorrect anyway. In the line displayed image, which reads “if Main dot board, previous position minus 16 is equal to blank string and Board dot is on board, previous position minus 16”, the </a:t>
+            </a:r>
+            <a:r>
+              <a:rPr lang="en-US" sz="1400" dirty="0" err="1"/>
+              <a:t>isOnBoard</a:t>
+            </a:r>
+            <a:r>
+              <a:rPr lang="en-US" sz="1400" dirty="0"/>
+              <a:t> method is called to return a Boolean. This is to </a:t>
+            </a:r>
+            <a:r>
+              <a:rPr lang="en-US" sz="1400" dirty="0" err="1"/>
+              <a:t>utilise</a:t>
+            </a:r>
+            <a:r>
+              <a:rPr lang="en-US" sz="1400" dirty="0"/>
+              <a:t> the 0x88 board representation, through checking if the piece is on the board through the line, “if destination and 0x88, then square is invalid”.</a:t>
+            </a:r>
+          </a:p>
+        </p:txBody>
+      </p:sp>
+      <p:sp>
+        <p:nvSpPr>
+          <p:cNvPr id="39" name="Rectangle 38">
+            <a:extLst>
+              <a:ext uri="{FF2B5EF4-FFF2-40B4-BE49-F238E27FC236}">
+                <a16:creationId xmlns:a16="http://schemas.microsoft.com/office/drawing/2014/main" id="{C13237C8-E62C-4F0D-A318-BD6FB6C2D138}"/>
+              </a:ext>
+              <a:ext uri="{C183D7F6-B498-43B3-948B-1728B52AA6E4}">
+                <adec:decorative xmlns:adec="http://schemas.microsoft.com/office/drawing/2017/decorative" val="1"/>
+              </a:ext>
+            </a:extLst>
+          </p:cNvPr>
+          <p:cNvSpPr>
+            <a:spLocks noGrp="1" noRot="1" noChangeAspect="1" noMove="1" noResize="1" noEditPoints="1" noAdjustHandles="1" noChangeArrowheads="1" noChangeShapeType="1" noTextEdit="1"/>
+          </p:cNvSpPr>
+          <p:nvPr>
+            <p:extLst>
+              <p:ext uri="{386F3935-93C4-4BCD-93E2-E3B085C9AB24}">
+                <p16:designElem xmlns:p16="http://schemas.microsoft.com/office/powerpoint/2015/main" val="1"/>
+              </p:ext>
+            </p:extLst>
+          </p:nvPr>
+        </p:nvSpPr>
+        <p:spPr>
+          <a:xfrm flipH="1">
+            <a:off x="10697670" y="0"/>
+            <a:ext cx="1494330" cy="6858000"/>
+          </a:xfrm>
+          <a:prstGeom prst="rect">
+            <a:avLst/>
+          </a:prstGeom>
+          <a:solidFill>
+            <a:schemeClr val="accent4"/>
+          </a:solidFill>
+          <a:ln>
+            <a:noFill/>
+          </a:ln>
+        </p:spPr>
+        <p:style>
+          <a:lnRef idx="2">
+            <a:schemeClr val="accent1">
+              <a:shade val="50000"/>
+            </a:schemeClr>
+          </a:lnRef>
+          <a:fillRef idx="1">
+            <a:schemeClr val="accent1"/>
+          </a:fillRef>
+          <a:effectRef idx="0">
+            <a:schemeClr val="accent1"/>
+          </a:effectRef>
+          <a:fontRef idx="minor">
+            <a:schemeClr val="lt1"/>
+          </a:fontRef>
+        </p:style>
+        <p:txBody>
+          <a:bodyPr rtlCol="0" anchor="ctr"/>
+          <a:lstStyle/>
+          <a:p>
+            <a:pPr algn="ctr"/>
+            <a:endParaRPr lang="en-US"/>
+          </a:p>
+        </p:txBody>
+      </p:sp>
+      <p:sp>
+        <p:nvSpPr>
+          <p:cNvPr id="41" name="Rectangle 40">
+            <a:extLst>
+              <a:ext uri="{FF2B5EF4-FFF2-40B4-BE49-F238E27FC236}">
+                <a16:creationId xmlns:a16="http://schemas.microsoft.com/office/drawing/2014/main" id="{19C9EAEA-39D0-4B0E-A0EB-51E7B26740B1}"/>
+              </a:ext>
+              <a:ext uri="{C183D7F6-B498-43B3-948B-1728B52AA6E4}">
+                <adec:decorative xmlns:adec="http://schemas.microsoft.com/office/drawing/2017/decorative" val="1"/>
+              </a:ext>
+            </a:extLst>
+          </p:cNvPr>
+          <p:cNvSpPr>
+            <a:spLocks noGrp="1" noRot="1" noChangeAspect="1" noMove="1" noResize="1" noEditPoints="1" noAdjustHandles="1" noChangeArrowheads="1" noChangeShapeType="1" noTextEdit="1"/>
+          </p:cNvSpPr>
+          <p:nvPr>
+            <p:extLst>
+              <p:ext uri="{386F3935-93C4-4BCD-93E2-E3B085C9AB24}">
+                <p16:designElem xmlns:p16="http://schemas.microsoft.com/office/powerpoint/2015/main" val="1"/>
+              </p:ext>
+            </p:extLst>
+          </p:nvPr>
+        </p:nvSpPr>
+        <p:spPr>
+          <a:xfrm>
+            <a:off x="6849687" y="357447"/>
+            <a:ext cx="4845488" cy="2923587"/>
+          </a:xfrm>
+          <a:prstGeom prst="rect">
+            <a:avLst/>
+          </a:prstGeom>
+          <a:solidFill>
+            <a:schemeClr val="bg1"/>
+          </a:solidFill>
+          <a:ln>
+            <a:noFill/>
+          </a:ln>
+          <a:effectLst>
+            <a:outerShdw blurRad="139700" dist="127000" dir="5400000" algn="t" rotWithShape="0">
+              <a:prstClr val="black">
+                <a:alpha val="15000"/>
+              </a:prstClr>
+            </a:outerShdw>
+          </a:effectLst>
+        </p:spPr>
+        <p:style>
+          <a:lnRef idx="2">
+            <a:schemeClr val="accent1">
+              <a:shade val="50000"/>
+            </a:schemeClr>
+          </a:lnRef>
+          <a:fillRef idx="1">
+            <a:schemeClr val="accent1"/>
+          </a:fillRef>
+          <a:effectRef idx="0">
+            <a:schemeClr val="accent1"/>
+          </a:effectRef>
+          <a:fontRef idx="minor">
+            <a:schemeClr val="lt1"/>
+          </a:fontRef>
+        </p:style>
+        <p:txBody>
+          <a:bodyPr rtlCol="0" anchor="ctr"/>
+          <a:lstStyle/>
+          <a:p>
+            <a:pPr algn="ctr"/>
+            <a:endParaRPr lang="en-US"/>
+          </a:p>
+        </p:txBody>
+      </p:sp>
+      <p:pic>
+        <p:nvPicPr>
+          <p:cNvPr id="6" name="Picture 5" descr="A computer screen shot of a program&#10;&#10;Description automatically generated">
+            <a:extLst>
+              <a:ext uri="{FF2B5EF4-FFF2-40B4-BE49-F238E27FC236}">
+                <a16:creationId xmlns:a16="http://schemas.microsoft.com/office/drawing/2014/main" id="{77668A07-5A50-FB5C-E713-DAA413D83F72}"/>
+              </a:ext>
+            </a:extLst>
+          </p:cNvPr>
+          <p:cNvPicPr>
+            <a:picLocks noChangeAspect="1"/>
+          </p:cNvPicPr>
+          <p:nvPr/>
+        </p:nvPicPr>
+        <p:blipFill>
+          <a:blip r:embed="rId3"/>
+          <a:stretch>
+            <a:fillRect/>
+          </a:stretch>
+        </p:blipFill>
+        <p:spPr>
+          <a:xfrm>
+            <a:off x="7083423" y="631976"/>
+            <a:ext cx="4397433" cy="2418587"/>
+          </a:xfrm>
+          <a:prstGeom prst="rect">
+            <a:avLst/>
+          </a:prstGeom>
+        </p:spPr>
+      </p:pic>
+      <p:sp>
+        <p:nvSpPr>
+          <p:cNvPr id="43" name="Rectangle 42">
+            <a:extLst>
+              <a:ext uri="{FF2B5EF4-FFF2-40B4-BE49-F238E27FC236}">
+                <a16:creationId xmlns:a16="http://schemas.microsoft.com/office/drawing/2014/main" id="{8CB5D2D7-DF65-4E86-BFBA-FFB9B5ACEB64}"/>
+              </a:ext>
+              <a:ext uri="{C183D7F6-B498-43B3-948B-1728B52AA6E4}">
+                <adec:decorative xmlns:adec="http://schemas.microsoft.com/office/drawing/2017/decorative" val="1"/>
+              </a:ext>
+            </a:extLst>
+          </p:cNvPr>
+          <p:cNvSpPr>
+            <a:spLocks noGrp="1" noRot="1" noChangeAspect="1" noMove="1" noResize="1" noEditPoints="1" noAdjustHandles="1" noChangeArrowheads="1" noChangeShapeType="1" noTextEdit="1"/>
+          </p:cNvSpPr>
+          <p:nvPr>
+            <p:extLst>
+              <p:ext uri="{386F3935-93C4-4BCD-93E2-E3B085C9AB24}">
+                <p16:designElem xmlns:p16="http://schemas.microsoft.com/office/powerpoint/2015/main" val="1"/>
+              </p:ext>
+            </p:extLst>
+          </p:nvPr>
+        </p:nvSpPr>
+        <p:spPr>
+          <a:xfrm>
+            <a:off x="6849687" y="3505479"/>
+            <a:ext cx="4845488" cy="2923587"/>
+          </a:xfrm>
+          <a:prstGeom prst="rect">
+            <a:avLst/>
+          </a:prstGeom>
+          <a:solidFill>
+            <a:schemeClr val="bg1"/>
+          </a:solidFill>
+          <a:ln>
+            <a:noFill/>
+          </a:ln>
+          <a:effectLst>
+            <a:outerShdw blurRad="139700" dist="127000" dir="5400000" algn="t" rotWithShape="0">
+              <a:prstClr val="black">
+                <a:alpha val="15000"/>
+              </a:prstClr>
+            </a:outerShdw>
+          </a:effectLst>
+        </p:spPr>
+        <p:style>
+          <a:lnRef idx="2">
+            <a:schemeClr val="accent1">
+              <a:shade val="50000"/>
+            </a:schemeClr>
+          </a:lnRef>
+          <a:fillRef idx="1">
+            <a:schemeClr val="accent1"/>
+          </a:fillRef>
+          <a:effectRef idx="0">
+            <a:schemeClr val="accent1"/>
+          </a:effectRef>
+          <a:fontRef idx="minor">
+            <a:schemeClr val="lt1"/>
+          </a:fontRef>
+        </p:style>
+        <p:txBody>
+          <a:bodyPr rtlCol="0" anchor="ctr"/>
+          <a:lstStyle/>
+          <a:p>
+            <a:pPr algn="ctr"/>
+            <a:endParaRPr lang="en-US"/>
+          </a:p>
+        </p:txBody>
+      </p:sp>
+      <p:pic>
+        <p:nvPicPr>
+          <p:cNvPr id="5" name="Picture 4">
+            <a:extLst>
+              <a:ext uri="{FF2B5EF4-FFF2-40B4-BE49-F238E27FC236}">
+                <a16:creationId xmlns:a16="http://schemas.microsoft.com/office/drawing/2014/main" id="{87EC4512-F92B-0740-1B02-5F562FA48CC7}"/>
+              </a:ext>
+            </a:extLst>
+          </p:cNvPr>
+          <p:cNvPicPr>
+            <a:picLocks noChangeAspect="1"/>
+          </p:cNvPicPr>
+          <p:nvPr/>
+        </p:nvPicPr>
+        <p:blipFill>
+          <a:blip r:embed="rId4"/>
+          <a:stretch>
+            <a:fillRect/>
+          </a:stretch>
+        </p:blipFill>
+        <p:spPr>
+          <a:xfrm>
+            <a:off x="7887855" y="3499436"/>
+            <a:ext cx="2827091" cy="2929629"/>
+          </a:xfrm>
+          <a:prstGeom prst="rect">
+            <a:avLst/>
+          </a:prstGeom>
+        </p:spPr>
+      </p:pic>
+      <p:sp>
+        <p:nvSpPr>
+          <p:cNvPr id="4" name="Slide Number Placeholder 3">
+            <a:extLst>
+              <a:ext uri="{FF2B5EF4-FFF2-40B4-BE49-F238E27FC236}">
+                <a16:creationId xmlns:a16="http://schemas.microsoft.com/office/drawing/2014/main" id="{A4BADA18-8F0E-4249-A144-6CB8259BA65B}"/>
+              </a:ext>
+            </a:extLst>
+          </p:cNvPr>
+          <p:cNvSpPr>
+            <a:spLocks noGrp="1"/>
+          </p:cNvSpPr>
+          <p:nvPr>
+            <p:ph type="sldNum" sz="quarter" idx="4"/>
+          </p:nvPr>
+        </p:nvSpPr>
+        <p:spPr>
+          <a:xfrm>
+            <a:off x="9385070" y="6492240"/>
+            <a:ext cx="1055716" cy="365125"/>
+          </a:xfrm>
+        </p:spPr>
+        <p:txBody>
+          <a:bodyPr vert="horz" lIns="91440" tIns="45720" rIns="91440" bIns="45720" rtlCol="0" anchor="ctr">
+            <a:normAutofit/>
+          </a:bodyPr>
+          <a:lstStyle/>
+          <a:p>
+            <a:pPr>
+              <a:spcAft>
+                <a:spcPts val="600"/>
+              </a:spcAft>
+            </a:pPr>
+            <a:fld id="{8C2E478F-E849-4A8C-AF1F-CBCC78A7CBFA}" type="slidenum">
+              <a:rPr lang="en-US" smtClean="0"/>
+              <a:pPr>
+                <a:spcAft>
+                  <a:spcPts val="600"/>
+                </a:spcAft>
+              </a:pPr>
+              <a:t>8</a:t>
+            </a:fld>
+            <a:endParaRPr lang="en-US"/>
+          </a:p>
+        </p:txBody>
+      </p:sp>
+      <p:pic>
+        <p:nvPicPr>
+          <p:cNvPr id="10" name="Picture 9" descr="A screen shot of a computer program&#10;&#10;Description automatically generated">
+            <a:extLst>
+              <a:ext uri="{FF2B5EF4-FFF2-40B4-BE49-F238E27FC236}">
+                <a16:creationId xmlns:a16="http://schemas.microsoft.com/office/drawing/2014/main" id="{283AE9BC-DB75-AC94-8735-A4C718A575F7}"/>
+              </a:ext>
+            </a:extLst>
+          </p:cNvPr>
+          <p:cNvPicPr>
+            <a:picLocks noChangeAspect="1"/>
+          </p:cNvPicPr>
+          <p:nvPr/>
+        </p:nvPicPr>
+        <p:blipFill>
+          <a:blip r:embed="rId5"/>
+          <a:stretch>
+            <a:fillRect/>
+          </a:stretch>
+        </p:blipFill>
+        <p:spPr>
+          <a:xfrm>
+            <a:off x="1720504" y="5655110"/>
+            <a:ext cx="3017520" cy="693420"/>
+          </a:xfrm>
+          <a:prstGeom prst="rect">
+            <a:avLst/>
+          </a:prstGeom>
+        </p:spPr>
+      </p:pic>
+    </p:spTree>
+    <p:extLst>
+      <p:ext uri="{BB962C8B-B14F-4D97-AF65-F5344CB8AC3E}">
+        <p14:creationId xmlns:p14="http://schemas.microsoft.com/office/powerpoint/2010/main" val="2108673720"/>
+      </p:ext>
+    </p:extLst>
+  </p:cSld>
+  <p:clrMapOvr>
+    <a:masterClrMapping/>
+  </p:clrMapOvr>
+</p:sld>
+</file>
+
+<file path=ppt/slides/slide9.xml><?xml version="1.0" encoding="utf-8"?>
 <p:sld xmlns:a="http://schemas.openxmlformats.org/drawingml/2006/main" xmlns:r="http://schemas.openxmlformats.org/officeDocument/2006/relationships" xmlns:p="http://schemas.openxmlformats.org/presentationml/2006/main">
   <p:cSld>
     <p:spTree>
@@ -4900,4 +7837,299 @@
     </a:ext>
   </a:extLst>
 </a:theme>
+</file>
+
+<file path=ppt/theme/theme2.xml><?xml version="1.0" encoding="utf-8"?>
+<a:theme xmlns:a="http://schemas.openxmlformats.org/drawingml/2006/main" name="Office Theme">
+  <a:themeElements>
+    <a:clrScheme name="Office">
+      <a:dk1>
+        <a:sysClr val="windowText" lastClr="000000"/>
+      </a:dk1>
+      <a:lt1>
+        <a:sysClr val="window" lastClr="FFFFFF"/>
+      </a:lt1>
+      <a:dk2>
+        <a:srgbClr val="44546A"/>
+      </a:dk2>
+      <a:lt2>
+        <a:srgbClr val="E7E6E6"/>
+      </a:lt2>
+      <a:accent1>
+        <a:srgbClr val="4472C4"/>
+      </a:accent1>
+      <a:accent2>
+        <a:srgbClr val="ED7D31"/>
+      </a:accent2>
+      <a:accent3>
+        <a:srgbClr val="A5A5A5"/>
+      </a:accent3>
+      <a:accent4>
+        <a:srgbClr val="FFC000"/>
+      </a:accent4>
+      <a:accent5>
+        <a:srgbClr val="5B9BD5"/>
+      </a:accent5>
+      <a:accent6>
+        <a:srgbClr val="70AD47"/>
+      </a:accent6>
+      <a:hlink>
+        <a:srgbClr val="0563C1"/>
+      </a:hlink>
+      <a:folHlink>
+        <a:srgbClr val="954F72"/>
+      </a:folHlink>
+    </a:clrScheme>
+    <a:fontScheme name="Office">
+      <a:majorFont>
+        <a:latin typeface="Calibri Light" panose="020F0302020204030204"/>
+        <a:ea typeface=""/>
+        <a:cs typeface=""/>
+        <a:font script="Jpan" typeface="游ゴシック Light"/>
+        <a:font script="Hang" typeface="맑은 고딕"/>
+        <a:font script="Hans" typeface="等线 Light"/>
+        <a:font script="Hant" typeface="新細明體"/>
+        <a:font script="Arab" typeface="Times New Roman"/>
+        <a:font script="Hebr" typeface="Times New Roman"/>
+        <a:font script="Thai" typeface="Angsana New"/>
+        <a:font script="Ethi" typeface="Nyala"/>
+        <a:font script="Beng" typeface="Vrinda"/>
+        <a:font script="Gujr" typeface="Shruti"/>
+        <a:font script="Khmr" typeface="MoolBoran"/>
+        <a:font script="Knda" typeface="Tunga"/>
+        <a:font script="Guru" typeface="Raavi"/>
+        <a:font script="Cans" typeface="Euphemia"/>
+        <a:font script="Cher" typeface="Plantagenet Cherokee"/>
+        <a:font script="Yiii" typeface="Microsoft Yi Baiti"/>
+        <a:font script="Tibt" typeface="Microsoft Himalaya"/>
+        <a:font script="Thaa" typeface="MV Boli"/>
+        <a:font script="Deva" typeface="Mangal"/>
+        <a:font script="Telu" typeface="Gautami"/>
+        <a:font script="Taml" typeface="Latha"/>
+        <a:font script="Syrc" typeface="Estrangelo Edessa"/>
+        <a:font script="Orya" typeface="Kalinga"/>
+        <a:font script="Mlym" typeface="Kartika"/>
+        <a:font script="Laoo" typeface="DokChampa"/>
+        <a:font script="Sinh" typeface="Iskoola Pota"/>
+        <a:font script="Mong" typeface="Mongolian Baiti"/>
+        <a:font script="Viet" typeface="Times New Roman"/>
+        <a:font script="Uigh" typeface="Microsoft Uighur"/>
+        <a:font script="Geor" typeface="Sylfaen"/>
+        <a:font script="Armn" typeface="Arial"/>
+        <a:font script="Bugi" typeface="Leelawadee UI"/>
+        <a:font script="Bopo" typeface="Microsoft JhengHei"/>
+        <a:font script="Java" typeface="Javanese Text"/>
+        <a:font script="Lisu" typeface="Segoe UI"/>
+        <a:font script="Mymr" typeface="Myanmar Text"/>
+        <a:font script="Nkoo" typeface="Ebrima"/>
+        <a:font script="Olck" typeface="Nirmala UI"/>
+        <a:font script="Osma" typeface="Ebrima"/>
+        <a:font script="Phag" typeface="Phagspa"/>
+        <a:font script="Syrn" typeface="Estrangelo Edessa"/>
+        <a:font script="Syrj" typeface="Estrangelo Edessa"/>
+        <a:font script="Syre" typeface="Estrangelo Edessa"/>
+        <a:font script="Sora" typeface="Nirmala UI"/>
+        <a:font script="Tale" typeface="Microsoft Tai Le"/>
+        <a:font script="Talu" typeface="Microsoft New Tai Lue"/>
+        <a:font script="Tfng" typeface="Ebrima"/>
+      </a:majorFont>
+      <a:minorFont>
+        <a:latin typeface="Calibri" panose="020F0502020204030204"/>
+        <a:ea typeface=""/>
+        <a:cs typeface=""/>
+        <a:font script="Jpan" typeface="游ゴシック"/>
+        <a:font script="Hang" typeface="맑은 고딕"/>
+        <a:font script="Hans" typeface="等线"/>
+        <a:font script="Hant" typeface="新細明體"/>
+        <a:font script="Arab" typeface="Arial"/>
+        <a:font script="Hebr" typeface="Arial"/>
+        <a:font script="Thai" typeface="Cordia New"/>
+        <a:font script="Ethi" typeface="Nyala"/>
+        <a:font script="Beng" typeface="Vrinda"/>
+        <a:font script="Gujr" typeface="Shruti"/>
+        <a:font script="Khmr" typeface="DaunPenh"/>
+        <a:font script="Knda" typeface="Tunga"/>
+        <a:font script="Guru" typeface="Raavi"/>
+        <a:font script="Cans" typeface="Euphemia"/>
+        <a:font script="Cher" typeface="Plantagenet Cherokee"/>
+        <a:font script="Yiii" typeface="Microsoft Yi Baiti"/>
+        <a:font script="Tibt" typeface="Microsoft Himalaya"/>
+        <a:font script="Thaa" typeface="MV Boli"/>
+        <a:font script="Deva" typeface="Mangal"/>
+        <a:font script="Telu" typeface="Gautami"/>
+        <a:font script="Taml" typeface="Latha"/>
+        <a:font script="Syrc" typeface="Estrangelo Edessa"/>
+        <a:font script="Orya" typeface="Kalinga"/>
+        <a:font script="Mlym" typeface="Kartika"/>
+        <a:font script="Laoo" typeface="DokChampa"/>
+        <a:font script="Sinh" typeface="Iskoola Pota"/>
+        <a:font script="Mong" typeface="Mongolian Baiti"/>
+        <a:font script="Viet" typeface="Arial"/>
+        <a:font script="Uigh" typeface="Microsoft Uighur"/>
+        <a:font script="Geor" typeface="Sylfaen"/>
+        <a:font script="Armn" typeface="Arial"/>
+        <a:font script="Bugi" typeface="Leelawadee UI"/>
+        <a:font script="Bopo" typeface="Microsoft JhengHei"/>
+        <a:font script="Java" typeface="Javanese Text"/>
+        <a:font script="Lisu" typeface="Segoe UI"/>
+        <a:font script="Mymr" typeface="Myanmar Text"/>
+        <a:font script="Nkoo" typeface="Ebrima"/>
+        <a:font script="Olck" typeface="Nirmala UI"/>
+        <a:font script="Osma" typeface="Ebrima"/>
+        <a:font script="Phag" typeface="Phagspa"/>
+        <a:font script="Syrn" typeface="Estrangelo Edessa"/>
+        <a:font script="Syrj" typeface="Estrangelo Edessa"/>
+        <a:font script="Syre" typeface="Estrangelo Edessa"/>
+        <a:font script="Sora" typeface="Nirmala UI"/>
+        <a:font script="Tale" typeface="Microsoft Tai Le"/>
+        <a:font script="Talu" typeface="Microsoft New Tai Lue"/>
+        <a:font script="Tfng" typeface="Ebrima"/>
+      </a:minorFont>
+    </a:fontScheme>
+    <a:fmtScheme name="Office">
+      <a:fillStyleLst>
+        <a:solidFill>
+          <a:schemeClr val="phClr"/>
+        </a:solidFill>
+        <a:gradFill rotWithShape="1">
+          <a:gsLst>
+            <a:gs pos="0">
+              <a:schemeClr val="phClr">
+                <a:lumMod val="110000"/>
+                <a:satMod val="105000"/>
+                <a:tint val="67000"/>
+              </a:schemeClr>
+            </a:gs>
+            <a:gs pos="50000">
+              <a:schemeClr val="phClr">
+                <a:lumMod val="105000"/>
+                <a:satMod val="103000"/>
+                <a:tint val="73000"/>
+              </a:schemeClr>
+            </a:gs>
+            <a:gs pos="100000">
+              <a:schemeClr val="phClr">
+                <a:lumMod val="105000"/>
+                <a:satMod val="109000"/>
+                <a:tint val="81000"/>
+              </a:schemeClr>
+            </a:gs>
+          </a:gsLst>
+          <a:lin ang="5400000" scaled="0"/>
+        </a:gradFill>
+        <a:gradFill rotWithShape="1">
+          <a:gsLst>
+            <a:gs pos="0">
+              <a:schemeClr val="phClr">
+                <a:satMod val="103000"/>
+                <a:lumMod val="102000"/>
+                <a:tint val="94000"/>
+              </a:schemeClr>
+            </a:gs>
+            <a:gs pos="50000">
+              <a:schemeClr val="phClr">
+                <a:satMod val="110000"/>
+                <a:lumMod val="100000"/>
+                <a:shade val="100000"/>
+              </a:schemeClr>
+            </a:gs>
+            <a:gs pos="100000">
+              <a:schemeClr val="phClr">
+                <a:lumMod val="99000"/>
+                <a:satMod val="120000"/>
+                <a:shade val="78000"/>
+              </a:schemeClr>
+            </a:gs>
+          </a:gsLst>
+          <a:lin ang="5400000" scaled="0"/>
+        </a:gradFill>
+      </a:fillStyleLst>
+      <a:lnStyleLst>
+        <a:ln w="6350" cap="flat" cmpd="sng" algn="ctr">
+          <a:solidFill>
+            <a:schemeClr val="phClr"/>
+          </a:solidFill>
+          <a:prstDash val="solid"/>
+          <a:miter lim="800000"/>
+        </a:ln>
+        <a:ln w="12700" cap="flat" cmpd="sng" algn="ctr">
+          <a:solidFill>
+            <a:schemeClr val="phClr"/>
+          </a:solidFill>
+          <a:prstDash val="solid"/>
+          <a:miter lim="800000"/>
+        </a:ln>
+        <a:ln w="19050" cap="flat" cmpd="sng" algn="ctr">
+          <a:solidFill>
+            <a:schemeClr val="phClr"/>
+          </a:solidFill>
+          <a:prstDash val="solid"/>
+          <a:miter lim="800000"/>
+        </a:ln>
+      </a:lnStyleLst>
+      <a:effectStyleLst>
+        <a:effectStyle>
+          <a:effectLst/>
+        </a:effectStyle>
+        <a:effectStyle>
+          <a:effectLst/>
+        </a:effectStyle>
+        <a:effectStyle>
+          <a:effectLst>
+            <a:outerShdw blurRad="57150" dist="19050" dir="5400000" algn="ctr" rotWithShape="0">
+              <a:srgbClr val="000000">
+                <a:alpha val="63000"/>
+              </a:srgbClr>
+            </a:outerShdw>
+          </a:effectLst>
+        </a:effectStyle>
+      </a:effectStyleLst>
+      <a:bgFillStyleLst>
+        <a:solidFill>
+          <a:schemeClr val="phClr"/>
+        </a:solidFill>
+        <a:solidFill>
+          <a:schemeClr val="phClr">
+            <a:tint val="95000"/>
+            <a:satMod val="170000"/>
+          </a:schemeClr>
+        </a:solidFill>
+        <a:gradFill rotWithShape="1">
+          <a:gsLst>
+            <a:gs pos="0">
+              <a:schemeClr val="phClr">
+                <a:tint val="93000"/>
+                <a:satMod val="150000"/>
+                <a:shade val="98000"/>
+                <a:lumMod val="102000"/>
+              </a:schemeClr>
+            </a:gs>
+            <a:gs pos="50000">
+              <a:schemeClr val="phClr">
+                <a:tint val="98000"/>
+                <a:satMod val="130000"/>
+                <a:shade val="90000"/>
+                <a:lumMod val="103000"/>
+              </a:schemeClr>
+            </a:gs>
+            <a:gs pos="100000">
+              <a:schemeClr val="phClr">
+                <a:shade val="63000"/>
+                <a:satMod val="120000"/>
+              </a:schemeClr>
+            </a:gs>
+          </a:gsLst>
+          <a:lin ang="5400000" scaled="0"/>
+        </a:gradFill>
+      </a:bgFillStyleLst>
+    </a:fmtScheme>
+  </a:themeElements>
+  <a:objectDefaults/>
+  <a:extraClrSchemeLst/>
+  <a:extLst>
+    <a:ext uri="{05A4C25C-085E-4340-85A3-A5531E510DB2}">
+      <thm15:themeFamily xmlns:thm15="http://schemas.microsoft.com/office/thememl/2012/main" name="Office Theme" id="{62F939B6-93AF-4DB8-9C6B-D6C7DFDC589F}" vid="{4A3C46E8-61CC-4603-A589-7422A47A8E4A}"/>
+    </a:ext>
+  </a:extLst>
+</a:theme>
 </file>